--- a/Geschäftsvorschlag sowie grafischer Prototyp.pptx
+++ b/Geschäftsvorschlag sowie grafischer Prototyp.pptx
@@ -112,6 +112,11 @@
       </a:defRPr>
     </a:lvl9pPr>
   </p:defaultTextStyle>
+  <p:extLst>
+    <p:ext uri="{EFAFB233-063F-42B5-8137-9DF3F51BA10A}">
+      <p15:sldGuideLst xmlns:p15="http://schemas.microsoft.com/office/powerpoint/2012/main"/>
+    </p:ext>
+  </p:extLst>
 </p:presentation>
 </file>
 
@@ -262,7 +267,7 @@
           <a:p>
             <a:fld id="{CDFC480C-E056-472F-A6EE-2C02A5AB318A}" type="datetimeFigureOut">
               <a:rPr lang="de-DE" smtClean="0"/>
-              <a:t>24.04.2020</a:t>
+              <a:t>01.05.20</a:t>
             </a:fld>
             <a:endParaRPr lang="de-DE"/>
           </a:p>
@@ -460,7 +465,7 @@
           <a:p>
             <a:fld id="{CDFC480C-E056-472F-A6EE-2C02A5AB318A}" type="datetimeFigureOut">
               <a:rPr lang="de-DE" smtClean="0"/>
-              <a:t>24.04.2020</a:t>
+              <a:t>01.05.20</a:t>
             </a:fld>
             <a:endParaRPr lang="de-DE"/>
           </a:p>
@@ -668,7 +673,7 @@
           <a:p>
             <a:fld id="{CDFC480C-E056-472F-A6EE-2C02A5AB318A}" type="datetimeFigureOut">
               <a:rPr lang="de-DE" smtClean="0"/>
-              <a:t>24.04.2020</a:t>
+              <a:t>01.05.20</a:t>
             </a:fld>
             <a:endParaRPr lang="de-DE"/>
           </a:p>
@@ -866,7 +871,7 @@
           <a:p>
             <a:fld id="{CDFC480C-E056-472F-A6EE-2C02A5AB318A}" type="datetimeFigureOut">
               <a:rPr lang="de-DE" smtClean="0"/>
-              <a:t>24.04.2020</a:t>
+              <a:t>01.05.20</a:t>
             </a:fld>
             <a:endParaRPr lang="de-DE"/>
           </a:p>
@@ -1141,7 +1146,7 @@
           <a:p>
             <a:fld id="{CDFC480C-E056-472F-A6EE-2C02A5AB318A}" type="datetimeFigureOut">
               <a:rPr lang="de-DE" smtClean="0"/>
-              <a:t>24.04.2020</a:t>
+              <a:t>01.05.20</a:t>
             </a:fld>
             <a:endParaRPr lang="de-DE"/>
           </a:p>
@@ -1406,7 +1411,7 @@
           <a:p>
             <a:fld id="{CDFC480C-E056-472F-A6EE-2C02A5AB318A}" type="datetimeFigureOut">
               <a:rPr lang="de-DE" smtClean="0"/>
-              <a:t>24.04.2020</a:t>
+              <a:t>01.05.20</a:t>
             </a:fld>
             <a:endParaRPr lang="de-DE"/>
           </a:p>
@@ -1818,7 +1823,7 @@
           <a:p>
             <a:fld id="{CDFC480C-E056-472F-A6EE-2C02A5AB318A}" type="datetimeFigureOut">
               <a:rPr lang="de-DE" smtClean="0"/>
-              <a:t>24.04.2020</a:t>
+              <a:t>01.05.20</a:t>
             </a:fld>
             <a:endParaRPr lang="de-DE"/>
           </a:p>
@@ -1959,7 +1964,7 @@
           <a:p>
             <a:fld id="{CDFC480C-E056-472F-A6EE-2C02A5AB318A}" type="datetimeFigureOut">
               <a:rPr lang="de-DE" smtClean="0"/>
-              <a:t>24.04.2020</a:t>
+              <a:t>01.05.20</a:t>
             </a:fld>
             <a:endParaRPr lang="de-DE"/>
           </a:p>
@@ -2072,7 +2077,7 @@
           <a:p>
             <a:fld id="{CDFC480C-E056-472F-A6EE-2C02A5AB318A}" type="datetimeFigureOut">
               <a:rPr lang="de-DE" smtClean="0"/>
-              <a:t>24.04.2020</a:t>
+              <a:t>01.05.20</a:t>
             </a:fld>
             <a:endParaRPr lang="de-DE"/>
           </a:p>
@@ -2383,7 +2388,7 @@
           <a:p>
             <a:fld id="{CDFC480C-E056-472F-A6EE-2C02A5AB318A}" type="datetimeFigureOut">
               <a:rPr lang="de-DE" smtClean="0"/>
-              <a:t>24.04.2020</a:t>
+              <a:t>01.05.20</a:t>
             </a:fld>
             <a:endParaRPr lang="de-DE"/>
           </a:p>
@@ -2671,7 +2676,7 @@
           <a:p>
             <a:fld id="{CDFC480C-E056-472F-A6EE-2C02A5AB318A}" type="datetimeFigureOut">
               <a:rPr lang="de-DE" smtClean="0"/>
-              <a:t>24.04.2020</a:t>
+              <a:t>01.05.20</a:t>
             </a:fld>
             <a:endParaRPr lang="de-DE"/>
           </a:p>
@@ -2912,7 +2917,7 @@
           <a:p>
             <a:fld id="{CDFC480C-E056-472F-A6EE-2C02A5AB318A}" type="datetimeFigureOut">
               <a:rPr lang="de-DE" smtClean="0"/>
-              <a:t>24.04.2020</a:t>
+              <a:t>01.05.20</a:t>
             </a:fld>
             <a:endParaRPr lang="de-DE"/>
           </a:p>
@@ -3614,7 +3619,7 @@
         </p:blipFill>
         <p:spPr bwMode="auto">
           <a:xfrm>
-            <a:off x="3175000" y="0"/>
+            <a:off x="3056247" y="441569"/>
             <a:ext cx="5588000" cy="6350000"/>
           </a:xfrm>
           <a:prstGeom prst="rect">
@@ -3740,7 +3745,7 @@
         </p:blipFill>
         <p:spPr bwMode="auto">
           <a:xfrm>
-            <a:off x="3187700" y="0"/>
+            <a:off x="3080822" y="254000"/>
             <a:ext cx="5575300" cy="6350000"/>
           </a:xfrm>
           <a:prstGeom prst="rect">
@@ -3866,7 +3871,7 @@
         </p:blipFill>
         <p:spPr bwMode="auto">
           <a:xfrm>
-            <a:off x="3187700" y="0"/>
+            <a:off x="2962068" y="357833"/>
             <a:ext cx="5575300" cy="6350000"/>
           </a:xfrm>
           <a:prstGeom prst="rect">
@@ -3992,7 +3997,7 @@
         </p:blipFill>
         <p:spPr bwMode="auto">
           <a:xfrm>
-            <a:off x="3187700" y="0"/>
+            <a:off x="3175825" y="254000"/>
             <a:ext cx="5562600" cy="6350000"/>
           </a:xfrm>
           <a:prstGeom prst="rect">
@@ -4118,7 +4123,7 @@
         </p:blipFill>
         <p:spPr bwMode="auto">
           <a:xfrm>
-            <a:off x="3187700" y="0"/>
+            <a:off x="3175825" y="413337"/>
             <a:ext cx="5562600" cy="6350000"/>
           </a:xfrm>
           <a:prstGeom prst="rect">
@@ -4244,7 +4249,7 @@
         </p:blipFill>
         <p:spPr bwMode="auto">
           <a:xfrm>
-            <a:off x="3187700" y="0"/>
+            <a:off x="3187700" y="254000"/>
             <a:ext cx="5562600" cy="6350000"/>
           </a:xfrm>
           <a:prstGeom prst="rect">
@@ -4370,7 +4375,7 @@
         </p:blipFill>
         <p:spPr bwMode="auto">
           <a:xfrm>
-            <a:off x="3187700" y="0"/>
+            <a:off x="3175825" y="254000"/>
             <a:ext cx="5562600" cy="6350000"/>
           </a:xfrm>
           <a:prstGeom prst="rect">

--- a/Geschäftsvorschlag sowie grafischer Prototyp.pptx
+++ b/Geschäftsvorschlag sowie grafischer Prototyp.pptx
@@ -6,14 +6,20 @@
   </p:sldMasterIdLst>
   <p:sldIdLst>
     <p:sldId id="256" r:id="rId2"/>
-    <p:sldId id="258" r:id="rId3"/>
-    <p:sldId id="259" r:id="rId4"/>
-    <p:sldId id="257" r:id="rId5"/>
-    <p:sldId id="260" r:id="rId6"/>
-    <p:sldId id="261" r:id="rId7"/>
-    <p:sldId id="262" r:id="rId8"/>
-    <p:sldId id="263" r:id="rId9"/>
-    <p:sldId id="264" r:id="rId10"/>
+    <p:sldId id="266" r:id="rId3"/>
+    <p:sldId id="267" r:id="rId4"/>
+    <p:sldId id="268" r:id="rId5"/>
+    <p:sldId id="270" r:id="rId6"/>
+    <p:sldId id="269" r:id="rId7"/>
+    <p:sldId id="258" r:id="rId8"/>
+    <p:sldId id="265" r:id="rId9"/>
+    <p:sldId id="259" r:id="rId10"/>
+    <p:sldId id="257" r:id="rId11"/>
+    <p:sldId id="260" r:id="rId12"/>
+    <p:sldId id="261" r:id="rId13"/>
+    <p:sldId id="262" r:id="rId14"/>
+    <p:sldId id="263" r:id="rId15"/>
+    <p:sldId id="264" r:id="rId16"/>
   </p:sldIdLst>
   <p:sldSz cx="12192000" cy="6858000"/>
   <p:notesSz cx="6858000" cy="9144000"/>
@@ -3573,7 +3579,7 @@
 </p:sld>
 </file>
 
-<file path=ppt/slides/slide2.xml><?xml version="1.0" encoding="utf-8"?>
+<file path=ppt/slides/slide10.xml><?xml version="1.0" encoding="utf-8"?>
 <p:sld xmlns:a="http://schemas.openxmlformats.org/drawingml/2006/main" xmlns:r="http://schemas.openxmlformats.org/officeDocument/2006/relationships" xmlns:p="http://schemas.openxmlformats.org/presentationml/2006/main">
   <p:cSld>
     <p:spTree>
@@ -3592,10 +3598,10 @@
       </p:grpSpPr>
       <p:pic>
         <p:nvPicPr>
-          <p:cNvPr id="6146" name="Picture 2">
-            <a:extLst>
-              <a:ext uri="{FF2B5EF4-FFF2-40B4-BE49-F238E27FC236}">
-                <a16:creationId xmlns:a16="http://schemas.microsoft.com/office/drawing/2014/main" id="{29C794E6-C871-4766-AE68-D2F18CE0F974}"/>
+          <p:cNvPr id="5122" name="Picture 2">
+            <a:extLst>
+              <a:ext uri="{FF2B5EF4-FFF2-40B4-BE49-F238E27FC236}">
+                <a16:creationId xmlns:a16="http://schemas.microsoft.com/office/drawing/2014/main" id="{FDABD4D3-413A-464B-86C2-50203A558B97}"/>
               </a:ext>
             </a:extLst>
           </p:cNvPr>
@@ -3619,8 +3625,8 @@
         </p:blipFill>
         <p:spPr bwMode="auto">
           <a:xfrm>
-            <a:off x="3056247" y="441569"/>
-            <a:ext cx="5588000" cy="6350000"/>
+            <a:off x="2962068" y="357833"/>
+            <a:ext cx="5575300" cy="6350000"/>
           </a:xfrm>
           <a:prstGeom prst="rect">
             <a:avLst/>
@@ -3639,10 +3645,10 @@
       </p:pic>
       <p:sp>
         <p:nvSpPr>
-          <p:cNvPr id="2" name="Rechteck 1">
-            <a:extLst>
-              <a:ext uri="{FF2B5EF4-FFF2-40B4-BE49-F238E27FC236}">
-                <a16:creationId xmlns:a16="http://schemas.microsoft.com/office/drawing/2014/main" id="{87062FD0-35A2-471E-9ED4-A9F0E362A931}"/>
+          <p:cNvPr id="3" name="Rechteck 2">
+            <a:extLst>
+              <a:ext uri="{FF2B5EF4-FFF2-40B4-BE49-F238E27FC236}">
+                <a16:creationId xmlns:a16="http://schemas.microsoft.com/office/drawing/2014/main" id="{49BEEA57-4F30-4B35-A96D-8A0E39098116}"/>
               </a:ext>
             </a:extLst>
           </p:cNvPr>
@@ -3651,7 +3657,7 @@
         </p:nvSpPr>
         <p:spPr>
           <a:xfrm>
-            <a:off x="7595370" y="441569"/>
+            <a:off x="7343269" y="841159"/>
             <a:ext cx="173121" cy="189326"/>
           </a:xfrm>
           <a:prstGeom prst="rect">
@@ -3687,7 +3693,42 @@
           <a:lstStyle/>
           <a:p>
             <a:pPr algn="ctr"/>
-            <a:endParaRPr lang="de-DE" dirty="0"/>
+            <a:endParaRPr lang="de-DE"/>
+          </a:p>
+        </p:txBody>
+      </p:sp>
+      <p:sp>
+        <p:nvSpPr>
+          <p:cNvPr id="4" name="Textfeld 3">
+            <a:extLst>
+              <a:ext uri="{FF2B5EF4-FFF2-40B4-BE49-F238E27FC236}">
+                <a16:creationId xmlns:a16="http://schemas.microsoft.com/office/drawing/2014/main" id="{03DBB78E-9635-3E48-BD0A-1272FFE66CF6}"/>
+              </a:ext>
+            </a:extLst>
+          </p:cNvPr>
+          <p:cNvSpPr txBox="1"/>
+          <p:nvPr/>
+        </p:nvSpPr>
+        <p:spPr>
+          <a:xfrm>
+            <a:off x="415636" y="308758"/>
+            <a:ext cx="2640611" cy="646331"/>
+          </a:xfrm>
+          <a:prstGeom prst="rect">
+            <a:avLst/>
+          </a:prstGeom>
+          <a:noFill/>
+        </p:spPr>
+        <p:txBody>
+          <a:bodyPr wrap="square" rtlCol="0">
+            <a:spAutoFit/>
+          </a:bodyPr>
+          <a:lstStyle/>
+          <a:p>
+            <a:r>
+              <a:rPr lang="de-DE" dirty="0"/>
+              <a:t>Bestellvorgang und Warenkorb </a:t>
+            </a:r>
           </a:p>
         </p:txBody>
       </p:sp>
@@ -3699,7 +3740,1657 @@
 </p:sld>
 </file>
 
+<file path=ppt/slides/slide11.xml><?xml version="1.0" encoding="utf-8"?>
+<p:sld xmlns:a="http://schemas.openxmlformats.org/drawingml/2006/main" xmlns:r="http://schemas.openxmlformats.org/officeDocument/2006/relationships" xmlns:p="http://schemas.openxmlformats.org/presentationml/2006/main">
+  <p:cSld>
+    <p:spTree>
+      <p:nvGrpSpPr>
+        <p:cNvPr id="1" name=""/>
+        <p:cNvGrpSpPr/>
+        <p:nvPr/>
+      </p:nvGrpSpPr>
+      <p:grpSpPr>
+        <a:xfrm>
+          <a:off x="0" y="0"/>
+          <a:ext cx="0" cy="0"/>
+          <a:chOff x="0" y="0"/>
+          <a:chExt cx="0" cy="0"/>
+        </a:xfrm>
+      </p:grpSpPr>
+      <p:pic>
+        <p:nvPicPr>
+          <p:cNvPr id="5122" name="Picture 2">
+            <a:extLst>
+              <a:ext uri="{FF2B5EF4-FFF2-40B4-BE49-F238E27FC236}">
+                <a16:creationId xmlns:a16="http://schemas.microsoft.com/office/drawing/2014/main" id="{6352198E-50BE-403A-8344-2E5160B4E863}"/>
+              </a:ext>
+            </a:extLst>
+          </p:cNvPr>
+          <p:cNvPicPr>
+            <a:picLocks noChangeAspect="1" noChangeArrowheads="1"/>
+          </p:cNvPicPr>
+          <p:nvPr/>
+        </p:nvPicPr>
+        <p:blipFill>
+          <a:blip r:embed="rId2">
+            <a:extLst>
+              <a:ext uri="{28A0092B-C50C-407E-A947-70E740481C1C}">
+                <a14:useLocalDpi xmlns:a14="http://schemas.microsoft.com/office/drawing/2010/main" val="0"/>
+              </a:ext>
+            </a:extLst>
+          </a:blip>
+          <a:srcRect/>
+          <a:stretch>
+            <a:fillRect/>
+          </a:stretch>
+        </p:blipFill>
+        <p:spPr bwMode="auto">
+          <a:xfrm>
+            <a:off x="3175825" y="254000"/>
+            <a:ext cx="5562600" cy="6350000"/>
+          </a:xfrm>
+          <a:prstGeom prst="rect">
+            <a:avLst/>
+          </a:prstGeom>
+          <a:noFill/>
+          <a:extLst>
+            <a:ext uri="{909E8E84-426E-40DD-AFC4-6F175D3DCCD1}">
+              <a14:hiddenFill xmlns:a14="http://schemas.microsoft.com/office/drawing/2010/main">
+                <a:solidFill>
+                  <a:srgbClr val="FFFFFF"/>
+                </a:solidFill>
+              </a14:hiddenFill>
+            </a:ext>
+          </a:extLst>
+        </p:spPr>
+      </p:pic>
+      <p:sp>
+        <p:nvSpPr>
+          <p:cNvPr id="3" name="Rechteck 2">
+            <a:extLst>
+              <a:ext uri="{FF2B5EF4-FFF2-40B4-BE49-F238E27FC236}">
+                <a16:creationId xmlns:a16="http://schemas.microsoft.com/office/drawing/2014/main" id="{76E846AB-9A72-4DAC-82C5-C09CD35065E5}"/>
+              </a:ext>
+            </a:extLst>
+          </p:cNvPr>
+          <p:cNvSpPr/>
+          <p:nvPr/>
+        </p:nvSpPr>
+        <p:spPr>
+          <a:xfrm>
+            <a:off x="7596599" y="648469"/>
+            <a:ext cx="173121" cy="189326"/>
+          </a:xfrm>
+          <a:prstGeom prst="rect">
+            <a:avLst/>
+          </a:prstGeom>
+          <a:solidFill>
+            <a:schemeClr val="bg1"/>
+          </a:solidFill>
+          <a:ln>
+            <a:solidFill>
+              <a:schemeClr val="bg1"/>
+            </a:solidFill>
+          </a:ln>
+        </p:spPr>
+        <p:style>
+          <a:lnRef idx="2">
+            <a:schemeClr val="accent1">
+              <a:shade val="50000"/>
+            </a:schemeClr>
+          </a:lnRef>
+          <a:fillRef idx="1">
+            <a:schemeClr val="accent1"/>
+          </a:fillRef>
+          <a:effectRef idx="0">
+            <a:schemeClr val="accent1"/>
+          </a:effectRef>
+          <a:fontRef idx="minor">
+            <a:schemeClr val="lt1"/>
+          </a:fontRef>
+        </p:style>
+        <p:txBody>
+          <a:bodyPr rtlCol="0" anchor="ctr"/>
+          <a:lstStyle/>
+          <a:p>
+            <a:pPr algn="ctr"/>
+            <a:endParaRPr lang="de-DE"/>
+          </a:p>
+        </p:txBody>
+      </p:sp>
+      <p:sp>
+        <p:nvSpPr>
+          <p:cNvPr id="4" name="Textfeld 3">
+            <a:extLst>
+              <a:ext uri="{FF2B5EF4-FFF2-40B4-BE49-F238E27FC236}">
+                <a16:creationId xmlns:a16="http://schemas.microsoft.com/office/drawing/2014/main" id="{CF85F8EC-12F7-8C44-8D61-30B839975C55}"/>
+              </a:ext>
+            </a:extLst>
+          </p:cNvPr>
+          <p:cNvSpPr txBox="1"/>
+          <p:nvPr/>
+        </p:nvSpPr>
+        <p:spPr>
+          <a:xfrm>
+            <a:off x="415636" y="308758"/>
+            <a:ext cx="2640611" cy="369332"/>
+          </a:xfrm>
+          <a:prstGeom prst="rect">
+            <a:avLst/>
+          </a:prstGeom>
+          <a:noFill/>
+        </p:spPr>
+        <p:txBody>
+          <a:bodyPr wrap="square" rtlCol="0">
+            <a:spAutoFit/>
+          </a:bodyPr>
+          <a:lstStyle/>
+          <a:p>
+            <a:r>
+              <a:rPr lang="de-DE" dirty="0"/>
+              <a:t>Bestellbetätigung </a:t>
+            </a:r>
+          </a:p>
+        </p:txBody>
+      </p:sp>
+    </p:spTree>
+  </p:cSld>
+  <p:clrMapOvr>
+    <a:masterClrMapping/>
+  </p:clrMapOvr>
+</p:sld>
+</file>
+
+<file path=ppt/slides/slide12.xml><?xml version="1.0" encoding="utf-8"?>
+<p:sld xmlns:a="http://schemas.openxmlformats.org/drawingml/2006/main" xmlns:r="http://schemas.openxmlformats.org/officeDocument/2006/relationships" xmlns:p="http://schemas.openxmlformats.org/presentationml/2006/main">
+  <p:cSld>
+    <p:spTree>
+      <p:nvGrpSpPr>
+        <p:cNvPr id="1" name=""/>
+        <p:cNvGrpSpPr/>
+        <p:nvPr/>
+      </p:nvGrpSpPr>
+      <p:grpSpPr>
+        <a:xfrm>
+          <a:off x="0" y="0"/>
+          <a:ext cx="0" cy="0"/>
+          <a:chOff x="0" y="0"/>
+          <a:chExt cx="0" cy="0"/>
+        </a:xfrm>
+      </p:grpSpPr>
+      <p:pic>
+        <p:nvPicPr>
+          <p:cNvPr id="6146" name="Picture 2">
+            <a:extLst>
+              <a:ext uri="{FF2B5EF4-FFF2-40B4-BE49-F238E27FC236}">
+                <a16:creationId xmlns:a16="http://schemas.microsoft.com/office/drawing/2014/main" id="{697A373A-5484-498B-B325-7376B0ECB326}"/>
+              </a:ext>
+            </a:extLst>
+          </p:cNvPr>
+          <p:cNvPicPr>
+            <a:picLocks noChangeAspect="1" noChangeArrowheads="1"/>
+          </p:cNvPicPr>
+          <p:nvPr/>
+        </p:nvPicPr>
+        <p:blipFill>
+          <a:blip r:embed="rId2">
+            <a:extLst>
+              <a:ext uri="{28A0092B-C50C-407E-A947-70E740481C1C}">
+                <a14:useLocalDpi xmlns:a14="http://schemas.microsoft.com/office/drawing/2010/main" val="0"/>
+              </a:ext>
+            </a:extLst>
+          </a:blip>
+          <a:srcRect/>
+          <a:stretch>
+            <a:fillRect/>
+          </a:stretch>
+        </p:blipFill>
+        <p:spPr bwMode="auto">
+          <a:xfrm>
+            <a:off x="3175825" y="413337"/>
+            <a:ext cx="5562600" cy="6350000"/>
+          </a:xfrm>
+          <a:prstGeom prst="rect">
+            <a:avLst/>
+          </a:prstGeom>
+          <a:noFill/>
+          <a:extLst>
+            <a:ext uri="{909E8E84-426E-40DD-AFC4-6F175D3DCCD1}">
+              <a14:hiddenFill xmlns:a14="http://schemas.microsoft.com/office/drawing/2010/main">
+                <a:solidFill>
+                  <a:srgbClr val="FFFFFF"/>
+                </a:solidFill>
+              </a14:hiddenFill>
+            </a:ext>
+          </a:extLst>
+        </p:spPr>
+      </p:pic>
+      <p:sp>
+        <p:nvSpPr>
+          <p:cNvPr id="3" name="Rechteck 2">
+            <a:extLst>
+              <a:ext uri="{FF2B5EF4-FFF2-40B4-BE49-F238E27FC236}">
+                <a16:creationId xmlns:a16="http://schemas.microsoft.com/office/drawing/2014/main" id="{AE41FA6F-A2F7-4456-9594-1D8BADE170F1}"/>
+              </a:ext>
+            </a:extLst>
+          </p:cNvPr>
+          <p:cNvSpPr/>
+          <p:nvPr/>
+        </p:nvSpPr>
+        <p:spPr>
+          <a:xfrm>
+            <a:off x="7597938" y="818286"/>
+            <a:ext cx="173121" cy="189326"/>
+          </a:xfrm>
+          <a:prstGeom prst="rect">
+            <a:avLst/>
+          </a:prstGeom>
+          <a:solidFill>
+            <a:schemeClr val="bg1"/>
+          </a:solidFill>
+          <a:ln>
+            <a:solidFill>
+              <a:schemeClr val="bg1"/>
+            </a:solidFill>
+          </a:ln>
+        </p:spPr>
+        <p:style>
+          <a:lnRef idx="2">
+            <a:schemeClr val="accent1">
+              <a:shade val="50000"/>
+            </a:schemeClr>
+          </a:lnRef>
+          <a:fillRef idx="1">
+            <a:schemeClr val="accent1"/>
+          </a:fillRef>
+          <a:effectRef idx="0">
+            <a:schemeClr val="accent1"/>
+          </a:effectRef>
+          <a:fontRef idx="minor">
+            <a:schemeClr val="lt1"/>
+          </a:fontRef>
+        </p:style>
+        <p:txBody>
+          <a:bodyPr rtlCol="0" anchor="ctr"/>
+          <a:lstStyle/>
+          <a:p>
+            <a:pPr algn="ctr"/>
+            <a:endParaRPr lang="de-DE"/>
+          </a:p>
+        </p:txBody>
+      </p:sp>
+      <p:sp>
+        <p:nvSpPr>
+          <p:cNvPr id="4" name="Textfeld 3">
+            <a:extLst>
+              <a:ext uri="{FF2B5EF4-FFF2-40B4-BE49-F238E27FC236}">
+                <a16:creationId xmlns:a16="http://schemas.microsoft.com/office/drawing/2014/main" id="{D20B7A92-01F7-9940-8FDB-0653E59741D0}"/>
+              </a:ext>
+            </a:extLst>
+          </p:cNvPr>
+          <p:cNvSpPr txBox="1"/>
+          <p:nvPr/>
+        </p:nvSpPr>
+        <p:spPr>
+          <a:xfrm>
+            <a:off x="415636" y="308758"/>
+            <a:ext cx="2640611" cy="369332"/>
+          </a:xfrm>
+          <a:prstGeom prst="rect">
+            <a:avLst/>
+          </a:prstGeom>
+          <a:noFill/>
+        </p:spPr>
+        <p:txBody>
+          <a:bodyPr wrap="square" rtlCol="0">
+            <a:spAutoFit/>
+          </a:bodyPr>
+          <a:lstStyle/>
+          <a:p>
+            <a:r>
+              <a:rPr lang="de-DE" dirty="0"/>
+              <a:t>Events </a:t>
+            </a:r>
+          </a:p>
+        </p:txBody>
+      </p:sp>
+    </p:spTree>
+  </p:cSld>
+  <p:clrMapOvr>
+    <a:masterClrMapping/>
+  </p:clrMapOvr>
+</p:sld>
+</file>
+
+<file path=ppt/slides/slide13.xml><?xml version="1.0" encoding="utf-8"?>
+<p:sld xmlns:a="http://schemas.openxmlformats.org/drawingml/2006/main" xmlns:r="http://schemas.openxmlformats.org/officeDocument/2006/relationships" xmlns:p="http://schemas.openxmlformats.org/presentationml/2006/main">
+  <p:cSld>
+    <p:spTree>
+      <p:nvGrpSpPr>
+        <p:cNvPr id="1" name=""/>
+        <p:cNvGrpSpPr/>
+        <p:nvPr/>
+      </p:nvGrpSpPr>
+      <p:grpSpPr>
+        <a:xfrm>
+          <a:off x="0" y="0"/>
+          <a:ext cx="0" cy="0"/>
+          <a:chOff x="0" y="0"/>
+          <a:chExt cx="0" cy="0"/>
+        </a:xfrm>
+      </p:grpSpPr>
+      <p:pic>
+        <p:nvPicPr>
+          <p:cNvPr id="7170" name="Picture 2">
+            <a:extLst>
+              <a:ext uri="{FF2B5EF4-FFF2-40B4-BE49-F238E27FC236}">
+                <a16:creationId xmlns:a16="http://schemas.microsoft.com/office/drawing/2014/main" id="{4BEC3538-1438-427D-9506-F201940C7081}"/>
+              </a:ext>
+            </a:extLst>
+          </p:cNvPr>
+          <p:cNvPicPr>
+            <a:picLocks noChangeAspect="1" noChangeArrowheads="1"/>
+          </p:cNvPicPr>
+          <p:nvPr/>
+        </p:nvPicPr>
+        <p:blipFill>
+          <a:blip r:embed="rId2">
+            <a:extLst>
+              <a:ext uri="{28A0092B-C50C-407E-A947-70E740481C1C}">
+                <a14:useLocalDpi xmlns:a14="http://schemas.microsoft.com/office/drawing/2010/main" val="0"/>
+              </a:ext>
+            </a:extLst>
+          </a:blip>
+          <a:srcRect/>
+          <a:stretch>
+            <a:fillRect/>
+          </a:stretch>
+        </p:blipFill>
+        <p:spPr bwMode="auto">
+          <a:xfrm>
+            <a:off x="3187700" y="254000"/>
+            <a:ext cx="5562600" cy="6350000"/>
+          </a:xfrm>
+          <a:prstGeom prst="rect">
+            <a:avLst/>
+          </a:prstGeom>
+          <a:noFill/>
+          <a:extLst>
+            <a:ext uri="{909E8E84-426E-40DD-AFC4-6F175D3DCCD1}">
+              <a14:hiddenFill xmlns:a14="http://schemas.microsoft.com/office/drawing/2010/main">
+                <a:solidFill>
+                  <a:srgbClr val="FFFFFF"/>
+                </a:solidFill>
+              </a14:hiddenFill>
+            </a:ext>
+          </a:extLst>
+        </p:spPr>
+      </p:pic>
+      <p:sp>
+        <p:nvSpPr>
+          <p:cNvPr id="3" name="Rechteck 2">
+            <a:extLst>
+              <a:ext uri="{FF2B5EF4-FFF2-40B4-BE49-F238E27FC236}">
+                <a16:creationId xmlns:a16="http://schemas.microsoft.com/office/drawing/2014/main" id="{AC2BE5FC-20F7-44C8-A022-AA3198CA419E}"/>
+              </a:ext>
+            </a:extLst>
+          </p:cNvPr>
+          <p:cNvSpPr/>
+          <p:nvPr/>
+        </p:nvSpPr>
+        <p:spPr>
+          <a:xfrm>
+            <a:off x="7607094" y="648468"/>
+            <a:ext cx="173121" cy="189326"/>
+          </a:xfrm>
+          <a:prstGeom prst="rect">
+            <a:avLst/>
+          </a:prstGeom>
+          <a:solidFill>
+            <a:schemeClr val="bg1"/>
+          </a:solidFill>
+          <a:ln>
+            <a:solidFill>
+              <a:schemeClr val="bg1"/>
+            </a:solidFill>
+          </a:ln>
+        </p:spPr>
+        <p:style>
+          <a:lnRef idx="2">
+            <a:schemeClr val="accent1">
+              <a:shade val="50000"/>
+            </a:schemeClr>
+          </a:lnRef>
+          <a:fillRef idx="1">
+            <a:schemeClr val="accent1"/>
+          </a:fillRef>
+          <a:effectRef idx="0">
+            <a:schemeClr val="accent1"/>
+          </a:effectRef>
+          <a:fontRef idx="minor">
+            <a:schemeClr val="lt1"/>
+          </a:fontRef>
+        </p:style>
+        <p:txBody>
+          <a:bodyPr rtlCol="0" anchor="ctr"/>
+          <a:lstStyle/>
+          <a:p>
+            <a:pPr algn="ctr"/>
+            <a:endParaRPr lang="de-DE"/>
+          </a:p>
+        </p:txBody>
+      </p:sp>
+      <p:sp>
+        <p:nvSpPr>
+          <p:cNvPr id="4" name="Textfeld 3">
+            <a:extLst>
+              <a:ext uri="{FF2B5EF4-FFF2-40B4-BE49-F238E27FC236}">
+                <a16:creationId xmlns:a16="http://schemas.microsoft.com/office/drawing/2014/main" id="{36C0CBD3-FC8A-F04F-A33F-8E7229CC5D67}"/>
+              </a:ext>
+            </a:extLst>
+          </p:cNvPr>
+          <p:cNvSpPr txBox="1"/>
+          <p:nvPr/>
+        </p:nvSpPr>
+        <p:spPr>
+          <a:xfrm>
+            <a:off x="415636" y="308758"/>
+            <a:ext cx="2640611" cy="369332"/>
+          </a:xfrm>
+          <a:prstGeom prst="rect">
+            <a:avLst/>
+          </a:prstGeom>
+          <a:noFill/>
+        </p:spPr>
+        <p:txBody>
+          <a:bodyPr wrap="square" rtlCol="0">
+            <a:spAutoFit/>
+          </a:bodyPr>
+          <a:lstStyle/>
+          <a:p>
+            <a:r>
+              <a:rPr lang="de-DE" dirty="0"/>
+              <a:t>Kontaktformular </a:t>
+            </a:r>
+          </a:p>
+        </p:txBody>
+      </p:sp>
+    </p:spTree>
+  </p:cSld>
+  <p:clrMapOvr>
+    <a:masterClrMapping/>
+  </p:clrMapOvr>
+</p:sld>
+</file>
+
+<file path=ppt/slides/slide14.xml><?xml version="1.0" encoding="utf-8"?>
+<p:sld xmlns:a="http://schemas.openxmlformats.org/drawingml/2006/main" xmlns:r="http://schemas.openxmlformats.org/officeDocument/2006/relationships" xmlns:p="http://schemas.openxmlformats.org/presentationml/2006/main">
+  <p:cSld>
+    <p:spTree>
+      <p:nvGrpSpPr>
+        <p:cNvPr id="1" name=""/>
+        <p:cNvGrpSpPr/>
+        <p:nvPr/>
+      </p:nvGrpSpPr>
+      <p:grpSpPr>
+        <a:xfrm>
+          <a:off x="0" y="0"/>
+          <a:ext cx="0" cy="0"/>
+          <a:chOff x="0" y="0"/>
+          <a:chExt cx="0" cy="0"/>
+        </a:xfrm>
+      </p:grpSpPr>
+      <p:pic>
+        <p:nvPicPr>
+          <p:cNvPr id="5122" name="Picture 2">
+            <a:extLst>
+              <a:ext uri="{FF2B5EF4-FFF2-40B4-BE49-F238E27FC236}">
+                <a16:creationId xmlns:a16="http://schemas.microsoft.com/office/drawing/2014/main" id="{B1A60283-310C-45C0-99DD-6C7351E39566}"/>
+              </a:ext>
+            </a:extLst>
+          </p:cNvPr>
+          <p:cNvPicPr>
+            <a:picLocks noChangeAspect="1" noChangeArrowheads="1"/>
+          </p:cNvPicPr>
+          <p:nvPr/>
+        </p:nvPicPr>
+        <p:blipFill>
+          <a:blip r:embed="rId2">
+            <a:extLst>
+              <a:ext uri="{28A0092B-C50C-407E-A947-70E740481C1C}">
+                <a14:useLocalDpi xmlns:a14="http://schemas.microsoft.com/office/drawing/2010/main" val="0"/>
+              </a:ext>
+            </a:extLst>
+          </a:blip>
+          <a:srcRect/>
+          <a:stretch>
+            <a:fillRect/>
+          </a:stretch>
+        </p:blipFill>
+        <p:spPr bwMode="auto">
+          <a:xfrm>
+            <a:off x="3175825" y="254000"/>
+            <a:ext cx="5562600" cy="6350000"/>
+          </a:xfrm>
+          <a:prstGeom prst="rect">
+            <a:avLst/>
+          </a:prstGeom>
+          <a:noFill/>
+          <a:extLst>
+            <a:ext uri="{909E8E84-426E-40DD-AFC4-6F175D3DCCD1}">
+              <a14:hiddenFill xmlns:a14="http://schemas.microsoft.com/office/drawing/2010/main">
+                <a:solidFill>
+                  <a:srgbClr val="FFFFFF"/>
+                </a:solidFill>
+              </a14:hiddenFill>
+            </a:ext>
+          </a:extLst>
+        </p:spPr>
+      </p:pic>
+      <p:sp>
+        <p:nvSpPr>
+          <p:cNvPr id="3" name="Rechteck 2">
+            <a:extLst>
+              <a:ext uri="{FF2B5EF4-FFF2-40B4-BE49-F238E27FC236}">
+                <a16:creationId xmlns:a16="http://schemas.microsoft.com/office/drawing/2014/main" id="{F9F8D1DC-A7C3-4471-8224-2487CB3D863A}"/>
+              </a:ext>
+            </a:extLst>
+          </p:cNvPr>
+          <p:cNvSpPr/>
+          <p:nvPr/>
+        </p:nvSpPr>
+        <p:spPr>
+          <a:xfrm>
+            <a:off x="7613569" y="648469"/>
+            <a:ext cx="173121" cy="189326"/>
+          </a:xfrm>
+          <a:prstGeom prst="rect">
+            <a:avLst/>
+          </a:prstGeom>
+          <a:solidFill>
+            <a:schemeClr val="bg1"/>
+          </a:solidFill>
+          <a:ln>
+            <a:solidFill>
+              <a:schemeClr val="bg1"/>
+            </a:solidFill>
+          </a:ln>
+        </p:spPr>
+        <p:style>
+          <a:lnRef idx="2">
+            <a:schemeClr val="accent1">
+              <a:shade val="50000"/>
+            </a:schemeClr>
+          </a:lnRef>
+          <a:fillRef idx="1">
+            <a:schemeClr val="accent1"/>
+          </a:fillRef>
+          <a:effectRef idx="0">
+            <a:schemeClr val="accent1"/>
+          </a:effectRef>
+          <a:fontRef idx="minor">
+            <a:schemeClr val="lt1"/>
+          </a:fontRef>
+        </p:style>
+        <p:txBody>
+          <a:bodyPr rtlCol="0" anchor="ctr"/>
+          <a:lstStyle/>
+          <a:p>
+            <a:pPr algn="ctr"/>
+            <a:endParaRPr lang="de-DE"/>
+          </a:p>
+        </p:txBody>
+      </p:sp>
+      <p:sp>
+        <p:nvSpPr>
+          <p:cNvPr id="4" name="Textfeld 3">
+            <a:extLst>
+              <a:ext uri="{FF2B5EF4-FFF2-40B4-BE49-F238E27FC236}">
+                <a16:creationId xmlns:a16="http://schemas.microsoft.com/office/drawing/2014/main" id="{78B7CAA3-EAD1-804A-AEA8-63E468708D26}"/>
+              </a:ext>
+            </a:extLst>
+          </p:cNvPr>
+          <p:cNvSpPr txBox="1"/>
+          <p:nvPr/>
+        </p:nvSpPr>
+        <p:spPr>
+          <a:xfrm>
+            <a:off x="415636" y="308758"/>
+            <a:ext cx="2640611" cy="646331"/>
+          </a:xfrm>
+          <a:prstGeom prst="rect">
+            <a:avLst/>
+          </a:prstGeom>
+          <a:noFill/>
+        </p:spPr>
+        <p:txBody>
+          <a:bodyPr wrap="square" rtlCol="0">
+            <a:spAutoFit/>
+          </a:bodyPr>
+          <a:lstStyle/>
+          <a:p>
+            <a:r>
+              <a:rPr lang="de-DE" dirty="0"/>
+              <a:t>Kontaktformular Bestätigung</a:t>
+            </a:r>
+          </a:p>
+        </p:txBody>
+      </p:sp>
+    </p:spTree>
+  </p:cSld>
+  <p:clrMapOvr>
+    <a:masterClrMapping/>
+  </p:clrMapOvr>
+</p:sld>
+</file>
+
+<file path=ppt/slides/slide15.xml><?xml version="1.0" encoding="utf-8"?>
+<p:sld xmlns:a="http://schemas.openxmlformats.org/drawingml/2006/main" xmlns:r="http://schemas.openxmlformats.org/officeDocument/2006/relationships" xmlns:p="http://schemas.openxmlformats.org/presentationml/2006/main">
+  <p:cSld>
+    <p:spTree>
+      <p:nvGrpSpPr>
+        <p:cNvPr id="1" name=""/>
+        <p:cNvGrpSpPr/>
+        <p:nvPr/>
+      </p:nvGrpSpPr>
+      <p:grpSpPr>
+        <a:xfrm>
+          <a:off x="0" y="0"/>
+          <a:ext cx="0" cy="0"/>
+          <a:chOff x="0" y="0"/>
+          <a:chExt cx="0" cy="0"/>
+        </a:xfrm>
+      </p:grpSpPr>
+      <p:sp>
+        <p:nvSpPr>
+          <p:cNvPr id="2" name="Titel 1">
+            <a:extLst>
+              <a:ext uri="{FF2B5EF4-FFF2-40B4-BE49-F238E27FC236}">
+                <a16:creationId xmlns:a16="http://schemas.microsoft.com/office/drawing/2014/main" id="{09F306DB-7996-4377-9D9F-DFD719EE9789}"/>
+              </a:ext>
+            </a:extLst>
+          </p:cNvPr>
+          <p:cNvSpPr>
+            <a:spLocks noGrp="1"/>
+          </p:cNvSpPr>
+          <p:nvPr>
+            <p:ph type="title"/>
+          </p:nvPr>
+        </p:nvSpPr>
+        <p:spPr/>
+        <p:txBody>
+          <a:bodyPr/>
+          <a:lstStyle/>
+          <a:p>
+            <a:endParaRPr lang="de-DE"/>
+          </a:p>
+        </p:txBody>
+      </p:sp>
+      <p:sp>
+        <p:nvSpPr>
+          <p:cNvPr id="3" name="Inhaltsplatzhalter 2">
+            <a:extLst>
+              <a:ext uri="{FF2B5EF4-FFF2-40B4-BE49-F238E27FC236}">
+                <a16:creationId xmlns:a16="http://schemas.microsoft.com/office/drawing/2014/main" id="{B12CDCAB-EF36-4249-A8A3-D42008CD3DC7}"/>
+              </a:ext>
+            </a:extLst>
+          </p:cNvPr>
+          <p:cNvSpPr>
+            <a:spLocks noGrp="1"/>
+          </p:cNvSpPr>
+          <p:nvPr>
+            <p:ph idx="1"/>
+          </p:nvPr>
+        </p:nvSpPr>
+        <p:spPr/>
+        <p:txBody>
+          <a:bodyPr/>
+          <a:lstStyle/>
+          <a:p>
+            <a:endParaRPr lang="de-DE"/>
+          </a:p>
+        </p:txBody>
+      </p:sp>
+    </p:spTree>
+    <p:extLst>
+      <p:ext uri="{BB962C8B-B14F-4D97-AF65-F5344CB8AC3E}">
+        <p14:creationId xmlns:p14="http://schemas.microsoft.com/office/powerpoint/2010/main" val="1054938674"/>
+      </p:ext>
+    </p:extLst>
+  </p:cSld>
+  <p:clrMapOvr>
+    <a:masterClrMapping/>
+  </p:clrMapOvr>
+</p:sld>
+</file>
+
+<file path=ppt/slides/slide2.xml><?xml version="1.0" encoding="utf-8"?>
+<p:sld xmlns:a="http://schemas.openxmlformats.org/drawingml/2006/main" xmlns:r="http://schemas.openxmlformats.org/officeDocument/2006/relationships" xmlns:p="http://schemas.openxmlformats.org/presentationml/2006/main">
+  <p:cSld>
+    <p:spTree>
+      <p:nvGrpSpPr>
+        <p:cNvPr id="1" name=""/>
+        <p:cNvGrpSpPr/>
+        <p:nvPr/>
+      </p:nvGrpSpPr>
+      <p:grpSpPr>
+        <a:xfrm>
+          <a:off x="0" y="0"/>
+          <a:ext cx="0" cy="0"/>
+          <a:chOff x="0" y="0"/>
+          <a:chExt cx="0" cy="0"/>
+        </a:xfrm>
+      </p:grpSpPr>
+      <p:sp>
+        <p:nvSpPr>
+          <p:cNvPr id="2" name="Titel 1">
+            <a:extLst>
+              <a:ext uri="{FF2B5EF4-FFF2-40B4-BE49-F238E27FC236}">
+                <a16:creationId xmlns:a16="http://schemas.microsoft.com/office/drawing/2014/main" id="{859EF1D0-3824-DB41-9AA0-0C5DDF921B70}"/>
+              </a:ext>
+            </a:extLst>
+          </p:cNvPr>
+          <p:cNvSpPr>
+            <a:spLocks noGrp="1"/>
+          </p:cNvSpPr>
+          <p:nvPr>
+            <p:ph type="title"/>
+          </p:nvPr>
+        </p:nvSpPr>
+        <p:spPr/>
+        <p:txBody>
+          <a:bodyPr/>
+          <a:lstStyle/>
+          <a:p>
+            <a:pPr algn="ctr"/>
+            <a:r>
+              <a:rPr lang="de-DE" dirty="0"/>
+              <a:t>Projektvorstellung und Motivation</a:t>
+            </a:r>
+          </a:p>
+        </p:txBody>
+      </p:sp>
+      <p:sp>
+        <p:nvSpPr>
+          <p:cNvPr id="3" name="Inhaltsplatzhalter 2">
+            <a:extLst>
+              <a:ext uri="{FF2B5EF4-FFF2-40B4-BE49-F238E27FC236}">
+                <a16:creationId xmlns:a16="http://schemas.microsoft.com/office/drawing/2014/main" id="{5EAAFA6A-C69F-134E-98A6-AF527EDABFB3}"/>
+              </a:ext>
+            </a:extLst>
+          </p:cNvPr>
+          <p:cNvSpPr>
+            <a:spLocks noGrp="1"/>
+          </p:cNvSpPr>
+          <p:nvPr>
+            <p:ph idx="1"/>
+          </p:nvPr>
+        </p:nvSpPr>
+        <p:spPr/>
+        <p:txBody>
+          <a:bodyPr/>
+          <a:lstStyle/>
+          <a:p>
+            <a:pPr marL="0" indent="0">
+              <a:buNone/>
+            </a:pPr>
+            <a:r>
+              <a:rPr lang="de-DE" dirty="0"/>
+              <a:t>Wir von LSSD Premium Cars wollen als junges und dynamisches Unternehmen unseren Marktanteil mit einem neuen Onlineauftritt vergrößern.</a:t>
+            </a:r>
+          </a:p>
+          <a:p>
+            <a:pPr marL="0" indent="0">
+              <a:buNone/>
+            </a:pPr>
+            <a:r>
+              <a:rPr lang="de-DE" dirty="0"/>
+              <a:t>Für die Umsetzung dieser Idee ist es unser Ziel eine benutzerfreundliche und optisch ansprechende Website unseren Kunden zur Verfügung zu stellen.</a:t>
+            </a:r>
+          </a:p>
+          <a:p>
+            <a:pPr marL="0" indent="0">
+              <a:buNone/>
+            </a:pPr>
+            <a:r>
+              <a:rPr lang="de-DE" dirty="0"/>
+              <a:t>Hierbei soll es dem Kunden möglich sein, durch wenige Klicks, seinen individuellen Traumwagen zusammenzustellen und dies ganz bequem von zu Hause aus.</a:t>
+            </a:r>
+          </a:p>
+        </p:txBody>
+      </p:sp>
+    </p:spTree>
+    <p:extLst>
+      <p:ext uri="{BB962C8B-B14F-4D97-AF65-F5344CB8AC3E}">
+        <p14:creationId xmlns:p14="http://schemas.microsoft.com/office/powerpoint/2010/main" val="2473844401"/>
+      </p:ext>
+    </p:extLst>
+  </p:cSld>
+  <p:clrMapOvr>
+    <a:masterClrMapping/>
+  </p:clrMapOvr>
+</p:sld>
+</file>
+
 <file path=ppt/slides/slide3.xml><?xml version="1.0" encoding="utf-8"?>
+<p:sld xmlns:a="http://schemas.openxmlformats.org/drawingml/2006/main" xmlns:r="http://schemas.openxmlformats.org/officeDocument/2006/relationships" xmlns:p="http://schemas.openxmlformats.org/presentationml/2006/main">
+  <p:cSld>
+    <p:spTree>
+      <p:nvGrpSpPr>
+        <p:cNvPr id="1" name=""/>
+        <p:cNvGrpSpPr/>
+        <p:nvPr/>
+      </p:nvGrpSpPr>
+      <p:grpSpPr>
+        <a:xfrm>
+          <a:off x="0" y="0"/>
+          <a:ext cx="0" cy="0"/>
+          <a:chOff x="0" y="0"/>
+          <a:chExt cx="0" cy="0"/>
+        </a:xfrm>
+      </p:grpSpPr>
+      <p:sp>
+        <p:nvSpPr>
+          <p:cNvPr id="2" name="Titel 1">
+            <a:extLst>
+              <a:ext uri="{FF2B5EF4-FFF2-40B4-BE49-F238E27FC236}">
+                <a16:creationId xmlns:a16="http://schemas.microsoft.com/office/drawing/2014/main" id="{4C9F8E24-5A00-0641-99CE-9DF858531257}"/>
+              </a:ext>
+            </a:extLst>
+          </p:cNvPr>
+          <p:cNvSpPr>
+            <a:spLocks noGrp="1"/>
+          </p:cNvSpPr>
+          <p:nvPr>
+            <p:ph type="title"/>
+          </p:nvPr>
+        </p:nvSpPr>
+        <p:spPr/>
+        <p:txBody>
+          <a:bodyPr/>
+          <a:lstStyle/>
+          <a:p>
+            <a:pPr algn="ctr"/>
+            <a:r>
+              <a:rPr lang="de-DE" dirty="0"/>
+              <a:t>Festlegung der Qualitätskriterien</a:t>
+            </a:r>
+          </a:p>
+        </p:txBody>
+      </p:sp>
+      <p:sp>
+        <p:nvSpPr>
+          <p:cNvPr id="3" name="Inhaltsplatzhalter 2">
+            <a:extLst>
+              <a:ext uri="{FF2B5EF4-FFF2-40B4-BE49-F238E27FC236}">
+                <a16:creationId xmlns:a16="http://schemas.microsoft.com/office/drawing/2014/main" id="{407B9CD2-3907-FD4E-A427-4DD0F5F7E0DC}"/>
+              </a:ext>
+            </a:extLst>
+          </p:cNvPr>
+          <p:cNvSpPr>
+            <a:spLocks noGrp="1"/>
+          </p:cNvSpPr>
+          <p:nvPr>
+            <p:ph idx="1"/>
+          </p:nvPr>
+        </p:nvSpPr>
+        <p:spPr/>
+        <p:txBody>
+          <a:bodyPr/>
+          <a:lstStyle/>
+          <a:p>
+            <a:r>
+              <a:rPr lang="de-DE" dirty="0"/>
+              <a:t>Nutzerfreundlichkeit </a:t>
+            </a:r>
+          </a:p>
+          <a:p>
+            <a:r>
+              <a:rPr lang="de-DE" dirty="0"/>
+              <a:t>Übersichtliche Gestaltung</a:t>
+            </a:r>
+          </a:p>
+          <a:p>
+            <a:r>
+              <a:rPr lang="de-DE" dirty="0"/>
+              <a:t>Intuitive Seitenstruktur</a:t>
+            </a:r>
+          </a:p>
+          <a:p>
+            <a:r>
+              <a:rPr lang="de-DE" dirty="0"/>
+              <a:t>Sicherheitsbezogene Entwicklung</a:t>
+            </a:r>
+          </a:p>
+          <a:p>
+            <a:r>
+              <a:rPr lang="de-DE" dirty="0"/>
+              <a:t>Ansprechendes und modernes Corporate Design</a:t>
+            </a:r>
+          </a:p>
+        </p:txBody>
+      </p:sp>
+    </p:spTree>
+    <p:extLst>
+      <p:ext uri="{BB962C8B-B14F-4D97-AF65-F5344CB8AC3E}">
+        <p14:creationId xmlns:p14="http://schemas.microsoft.com/office/powerpoint/2010/main" val="1393573437"/>
+      </p:ext>
+    </p:extLst>
+  </p:cSld>
+  <p:clrMapOvr>
+    <a:masterClrMapping/>
+  </p:clrMapOvr>
+</p:sld>
+</file>
+
+<file path=ppt/slides/slide4.xml><?xml version="1.0" encoding="utf-8"?>
+<p:sld xmlns:a="http://schemas.openxmlformats.org/drawingml/2006/main" xmlns:r="http://schemas.openxmlformats.org/officeDocument/2006/relationships" xmlns:p="http://schemas.openxmlformats.org/presentationml/2006/main">
+  <p:cSld>
+    <p:spTree>
+      <p:nvGrpSpPr>
+        <p:cNvPr id="1" name=""/>
+        <p:cNvGrpSpPr/>
+        <p:nvPr/>
+      </p:nvGrpSpPr>
+      <p:grpSpPr>
+        <a:xfrm>
+          <a:off x="0" y="0"/>
+          <a:ext cx="0" cy="0"/>
+          <a:chOff x="0" y="0"/>
+          <a:chExt cx="0" cy="0"/>
+        </a:xfrm>
+      </p:grpSpPr>
+      <p:sp>
+        <p:nvSpPr>
+          <p:cNvPr id="2" name="Titel 1">
+            <a:extLst>
+              <a:ext uri="{FF2B5EF4-FFF2-40B4-BE49-F238E27FC236}">
+                <a16:creationId xmlns:a16="http://schemas.microsoft.com/office/drawing/2014/main" id="{5435A315-78CA-F44E-B152-C3D30066E255}"/>
+              </a:ext>
+            </a:extLst>
+          </p:cNvPr>
+          <p:cNvSpPr>
+            <a:spLocks noGrp="1"/>
+          </p:cNvSpPr>
+          <p:nvPr>
+            <p:ph type="title"/>
+          </p:nvPr>
+        </p:nvSpPr>
+        <p:spPr/>
+        <p:txBody>
+          <a:bodyPr/>
+          <a:lstStyle/>
+          <a:p>
+            <a:pPr algn="ctr"/>
+            <a:r>
+              <a:rPr lang="de-DE" dirty="0"/>
+              <a:t> Risikoabschätzung</a:t>
+            </a:r>
+          </a:p>
+        </p:txBody>
+      </p:sp>
+      <p:sp>
+        <p:nvSpPr>
+          <p:cNvPr id="3" name="Inhaltsplatzhalter 2">
+            <a:extLst>
+              <a:ext uri="{FF2B5EF4-FFF2-40B4-BE49-F238E27FC236}">
+                <a16:creationId xmlns:a16="http://schemas.microsoft.com/office/drawing/2014/main" id="{EFFE3ED8-41F5-FA4D-844B-C7C4CA5CBC6D}"/>
+              </a:ext>
+            </a:extLst>
+          </p:cNvPr>
+          <p:cNvSpPr>
+            <a:spLocks noGrp="1"/>
+          </p:cNvSpPr>
+          <p:nvPr>
+            <p:ph idx="1"/>
+          </p:nvPr>
+        </p:nvSpPr>
+        <p:spPr/>
+        <p:txBody>
+          <a:bodyPr/>
+          <a:lstStyle/>
+          <a:p>
+            <a:r>
+              <a:rPr lang="de-DE" dirty="0"/>
+              <a:t>Nicht autorisierter Abfluss von Personenbezogenen Daten von Kunden</a:t>
+            </a:r>
+          </a:p>
+          <a:p>
+            <a:r>
+              <a:rPr lang="de-DE" dirty="0"/>
+              <a:t>Umsatzverlust durch Down-Time der Website</a:t>
+            </a:r>
+          </a:p>
+          <a:p>
+            <a:r>
+              <a:rPr lang="de-DE" dirty="0"/>
+              <a:t>Fehlende Akzeptanz der Kunden gegenüber der Website  </a:t>
+            </a:r>
+          </a:p>
+          <a:p>
+            <a:endParaRPr lang="de-DE" dirty="0"/>
+          </a:p>
+        </p:txBody>
+      </p:sp>
+    </p:spTree>
+    <p:extLst>
+      <p:ext uri="{BB962C8B-B14F-4D97-AF65-F5344CB8AC3E}">
+        <p14:creationId xmlns:p14="http://schemas.microsoft.com/office/powerpoint/2010/main" val="3384774443"/>
+      </p:ext>
+    </p:extLst>
+  </p:cSld>
+  <p:clrMapOvr>
+    <a:masterClrMapping/>
+  </p:clrMapOvr>
+</p:sld>
+</file>
+
+<file path=ppt/slides/slide5.xml><?xml version="1.0" encoding="utf-8"?>
+<p:sld xmlns:a="http://schemas.openxmlformats.org/drawingml/2006/main" xmlns:r="http://schemas.openxmlformats.org/officeDocument/2006/relationships" xmlns:p="http://schemas.openxmlformats.org/presentationml/2006/main">
+  <p:cSld>
+    <p:spTree>
+      <p:nvGrpSpPr>
+        <p:cNvPr id="1" name=""/>
+        <p:cNvGrpSpPr/>
+        <p:nvPr/>
+      </p:nvGrpSpPr>
+      <p:grpSpPr>
+        <a:xfrm>
+          <a:off x="0" y="0"/>
+          <a:ext cx="0" cy="0"/>
+          <a:chOff x="0" y="0"/>
+          <a:chExt cx="0" cy="0"/>
+        </a:xfrm>
+      </p:grpSpPr>
+      <p:sp>
+        <p:nvSpPr>
+          <p:cNvPr id="2" name="Titel 1">
+            <a:extLst>
+              <a:ext uri="{FF2B5EF4-FFF2-40B4-BE49-F238E27FC236}">
+                <a16:creationId xmlns:a16="http://schemas.microsoft.com/office/drawing/2014/main" id="{36D62555-90C1-654C-8689-80BCB86B5026}"/>
+              </a:ext>
+            </a:extLst>
+          </p:cNvPr>
+          <p:cNvSpPr>
+            <a:spLocks noGrp="1"/>
+          </p:cNvSpPr>
+          <p:nvPr>
+            <p:ph type="title"/>
+          </p:nvPr>
+        </p:nvSpPr>
+        <p:spPr/>
+        <p:txBody>
+          <a:bodyPr/>
+          <a:lstStyle/>
+          <a:p>
+            <a:pPr algn="ctr"/>
+            <a:r>
+              <a:rPr lang="de-DE" dirty="0"/>
+              <a:t>Umfang und Aufwand</a:t>
+            </a:r>
+          </a:p>
+        </p:txBody>
+      </p:sp>
+      <p:sp>
+        <p:nvSpPr>
+          <p:cNvPr id="3" name="Inhaltsplatzhalter 2">
+            <a:extLst>
+              <a:ext uri="{FF2B5EF4-FFF2-40B4-BE49-F238E27FC236}">
+                <a16:creationId xmlns:a16="http://schemas.microsoft.com/office/drawing/2014/main" id="{417289F4-981C-5E48-9C96-50EBF4FE0FC9}"/>
+              </a:ext>
+            </a:extLst>
+          </p:cNvPr>
+          <p:cNvSpPr>
+            <a:spLocks noGrp="1"/>
+          </p:cNvSpPr>
+          <p:nvPr>
+            <p:ph idx="1"/>
+          </p:nvPr>
+        </p:nvSpPr>
+        <p:spPr/>
+        <p:txBody>
+          <a:bodyPr/>
+          <a:lstStyle/>
+          <a:p>
+            <a:endParaRPr lang="de-DE" dirty="0"/>
+          </a:p>
+        </p:txBody>
+      </p:sp>
+    </p:spTree>
+    <p:extLst>
+      <p:ext uri="{BB962C8B-B14F-4D97-AF65-F5344CB8AC3E}">
+        <p14:creationId xmlns:p14="http://schemas.microsoft.com/office/powerpoint/2010/main" val="870582999"/>
+      </p:ext>
+    </p:extLst>
+  </p:cSld>
+  <p:clrMapOvr>
+    <a:masterClrMapping/>
+  </p:clrMapOvr>
+</p:sld>
+</file>
+
+<file path=ppt/slides/slide6.xml><?xml version="1.0" encoding="utf-8"?>
+<p:sld xmlns:a="http://schemas.openxmlformats.org/drawingml/2006/main" xmlns:r="http://schemas.openxmlformats.org/officeDocument/2006/relationships" xmlns:p="http://schemas.openxmlformats.org/presentationml/2006/main">
+  <p:cSld>
+    <p:spTree>
+      <p:nvGrpSpPr>
+        <p:cNvPr id="1" name=""/>
+        <p:cNvGrpSpPr/>
+        <p:nvPr/>
+      </p:nvGrpSpPr>
+      <p:grpSpPr>
+        <a:xfrm>
+          <a:off x="0" y="0"/>
+          <a:ext cx="0" cy="0"/>
+          <a:chOff x="0" y="0"/>
+          <a:chExt cx="0" cy="0"/>
+        </a:xfrm>
+      </p:grpSpPr>
+      <p:sp>
+        <p:nvSpPr>
+          <p:cNvPr id="2" name="Titel 1">
+            <a:extLst>
+              <a:ext uri="{FF2B5EF4-FFF2-40B4-BE49-F238E27FC236}">
+                <a16:creationId xmlns:a16="http://schemas.microsoft.com/office/drawing/2014/main" id="{172CE1E8-D067-C443-85F4-F9C35751CF20}"/>
+              </a:ext>
+            </a:extLst>
+          </p:cNvPr>
+          <p:cNvSpPr>
+            <a:spLocks noGrp="1"/>
+          </p:cNvSpPr>
+          <p:nvPr>
+            <p:ph type="title"/>
+          </p:nvPr>
+        </p:nvSpPr>
+        <p:spPr>
+          <a:xfrm>
+            <a:off x="795647" y="2300803"/>
+            <a:ext cx="10558153" cy="1325563"/>
+          </a:xfrm>
+        </p:spPr>
+        <p:txBody>
+          <a:bodyPr/>
+          <a:lstStyle/>
+          <a:p>
+            <a:pPr algn="ctr"/>
+            <a:r>
+              <a:rPr lang="de-DE" b="1" dirty="0"/>
+              <a:t>Prototyp/Mock-</a:t>
+            </a:r>
+            <a:r>
+              <a:rPr lang="de-DE" b="1" dirty="0" err="1"/>
+              <a:t>Up</a:t>
+            </a:r>
+            <a:endParaRPr lang="de-DE" b="1" dirty="0"/>
+          </a:p>
+        </p:txBody>
+      </p:sp>
+    </p:spTree>
+    <p:extLst>
+      <p:ext uri="{BB962C8B-B14F-4D97-AF65-F5344CB8AC3E}">
+        <p14:creationId xmlns:p14="http://schemas.microsoft.com/office/powerpoint/2010/main" val="1216091372"/>
+      </p:ext>
+    </p:extLst>
+  </p:cSld>
+  <p:clrMapOvr>
+    <a:masterClrMapping/>
+  </p:clrMapOvr>
+</p:sld>
+</file>
+
+<file path=ppt/slides/slide7.xml><?xml version="1.0" encoding="utf-8"?>
+<p:sld xmlns:a="http://schemas.openxmlformats.org/drawingml/2006/main" xmlns:r="http://schemas.openxmlformats.org/officeDocument/2006/relationships" xmlns:p="http://schemas.openxmlformats.org/presentationml/2006/main">
+  <p:cSld>
+    <p:spTree>
+      <p:nvGrpSpPr>
+        <p:cNvPr id="1" name=""/>
+        <p:cNvGrpSpPr/>
+        <p:nvPr/>
+      </p:nvGrpSpPr>
+      <p:grpSpPr>
+        <a:xfrm>
+          <a:off x="0" y="0"/>
+          <a:ext cx="0" cy="0"/>
+          <a:chOff x="0" y="0"/>
+          <a:chExt cx="0" cy="0"/>
+        </a:xfrm>
+      </p:grpSpPr>
+      <p:pic>
+        <p:nvPicPr>
+          <p:cNvPr id="6146" name="Picture 2">
+            <a:extLst>
+              <a:ext uri="{FF2B5EF4-FFF2-40B4-BE49-F238E27FC236}">
+                <a16:creationId xmlns:a16="http://schemas.microsoft.com/office/drawing/2014/main" id="{29C794E6-C871-4766-AE68-D2F18CE0F974}"/>
+              </a:ext>
+            </a:extLst>
+          </p:cNvPr>
+          <p:cNvPicPr>
+            <a:picLocks noChangeAspect="1" noChangeArrowheads="1"/>
+          </p:cNvPicPr>
+          <p:nvPr/>
+        </p:nvPicPr>
+        <p:blipFill>
+          <a:blip r:embed="rId2">
+            <a:extLst>
+              <a:ext uri="{28A0092B-C50C-407E-A947-70E740481C1C}">
+                <a14:useLocalDpi xmlns:a14="http://schemas.microsoft.com/office/drawing/2010/main" val="0"/>
+              </a:ext>
+            </a:extLst>
+          </a:blip>
+          <a:srcRect/>
+          <a:stretch>
+            <a:fillRect/>
+          </a:stretch>
+        </p:blipFill>
+        <p:spPr bwMode="auto">
+          <a:xfrm>
+            <a:off x="3056247" y="441569"/>
+            <a:ext cx="5588000" cy="6350000"/>
+          </a:xfrm>
+          <a:prstGeom prst="rect">
+            <a:avLst/>
+          </a:prstGeom>
+          <a:noFill/>
+          <a:extLst>
+            <a:ext uri="{909E8E84-426E-40DD-AFC4-6F175D3DCCD1}">
+              <a14:hiddenFill xmlns:a14="http://schemas.microsoft.com/office/drawing/2010/main">
+                <a:solidFill>
+                  <a:srgbClr val="FFFFFF"/>
+                </a:solidFill>
+              </a14:hiddenFill>
+            </a:ext>
+          </a:extLst>
+        </p:spPr>
+      </p:pic>
+      <p:sp>
+        <p:nvSpPr>
+          <p:cNvPr id="2" name="Rechteck 1">
+            <a:extLst>
+              <a:ext uri="{FF2B5EF4-FFF2-40B4-BE49-F238E27FC236}">
+                <a16:creationId xmlns:a16="http://schemas.microsoft.com/office/drawing/2014/main" id="{87062FD0-35A2-471E-9ED4-A9F0E362A931}"/>
+              </a:ext>
+            </a:extLst>
+          </p:cNvPr>
+          <p:cNvSpPr/>
+          <p:nvPr/>
+        </p:nvSpPr>
+        <p:spPr>
+          <a:xfrm>
+            <a:off x="7464741" y="885706"/>
+            <a:ext cx="173121" cy="189326"/>
+          </a:xfrm>
+          <a:prstGeom prst="rect">
+            <a:avLst/>
+          </a:prstGeom>
+          <a:solidFill>
+            <a:schemeClr val="bg1"/>
+          </a:solidFill>
+          <a:ln>
+            <a:solidFill>
+              <a:schemeClr val="bg1"/>
+            </a:solidFill>
+          </a:ln>
+        </p:spPr>
+        <p:style>
+          <a:lnRef idx="2">
+            <a:schemeClr val="accent1">
+              <a:shade val="50000"/>
+            </a:schemeClr>
+          </a:lnRef>
+          <a:fillRef idx="1">
+            <a:schemeClr val="accent1"/>
+          </a:fillRef>
+          <a:effectRef idx="0">
+            <a:schemeClr val="accent1"/>
+          </a:effectRef>
+          <a:fontRef idx="minor">
+            <a:schemeClr val="lt1"/>
+          </a:fontRef>
+        </p:style>
+        <p:txBody>
+          <a:bodyPr rtlCol="0" anchor="ctr"/>
+          <a:lstStyle/>
+          <a:p>
+            <a:pPr algn="ctr"/>
+            <a:endParaRPr lang="de-DE" dirty="0"/>
+          </a:p>
+        </p:txBody>
+      </p:sp>
+      <p:sp>
+        <p:nvSpPr>
+          <p:cNvPr id="3" name="Textfeld 2">
+            <a:extLst>
+              <a:ext uri="{FF2B5EF4-FFF2-40B4-BE49-F238E27FC236}">
+                <a16:creationId xmlns:a16="http://schemas.microsoft.com/office/drawing/2014/main" id="{77132170-4D38-5B4E-9D9C-6ACCFC457B0E}"/>
+              </a:ext>
+            </a:extLst>
+          </p:cNvPr>
+          <p:cNvSpPr txBox="1"/>
+          <p:nvPr/>
+        </p:nvSpPr>
+        <p:spPr>
+          <a:xfrm>
+            <a:off x="415636" y="308758"/>
+            <a:ext cx="2640611" cy="369332"/>
+          </a:xfrm>
+          <a:prstGeom prst="rect">
+            <a:avLst/>
+          </a:prstGeom>
+          <a:noFill/>
+        </p:spPr>
+        <p:txBody>
+          <a:bodyPr wrap="square" rtlCol="0">
+            <a:spAutoFit/>
+          </a:bodyPr>
+          <a:lstStyle/>
+          <a:p>
+            <a:r>
+              <a:rPr lang="de-DE" dirty="0"/>
+              <a:t>Startseite </a:t>
+            </a:r>
+          </a:p>
+        </p:txBody>
+      </p:sp>
+    </p:spTree>
+  </p:cSld>
+  <p:clrMapOvr>
+    <a:masterClrMapping/>
+  </p:clrMapOvr>
+</p:sld>
+</file>
+
+<file path=ppt/slides/slide8.xml><?xml version="1.0" encoding="utf-8"?>
+<p:sld xmlns:a="http://schemas.openxmlformats.org/drawingml/2006/main" xmlns:r="http://schemas.openxmlformats.org/officeDocument/2006/relationships" xmlns:p="http://schemas.openxmlformats.org/presentationml/2006/main">
+  <p:cSld>
+    <p:spTree>
+      <p:nvGrpSpPr>
+        <p:cNvPr id="1" name=""/>
+        <p:cNvGrpSpPr/>
+        <p:nvPr/>
+      </p:nvGrpSpPr>
+      <p:grpSpPr>
+        <a:xfrm>
+          <a:off x="0" y="0"/>
+          <a:ext cx="0" cy="0"/>
+          <a:chOff x="0" y="0"/>
+          <a:chExt cx="0" cy="0"/>
+        </a:xfrm>
+      </p:grpSpPr>
+      <p:pic>
+        <p:nvPicPr>
+          <p:cNvPr id="6146" name="Picture 2">
+            <a:extLst>
+              <a:ext uri="{FF2B5EF4-FFF2-40B4-BE49-F238E27FC236}">
+                <a16:creationId xmlns:a16="http://schemas.microsoft.com/office/drawing/2014/main" id="{29C794E6-C871-4766-AE68-D2F18CE0F974}"/>
+              </a:ext>
+            </a:extLst>
+          </p:cNvPr>
+          <p:cNvPicPr>
+            <a:picLocks noChangeAspect="1" noChangeArrowheads="1"/>
+          </p:cNvPicPr>
+          <p:nvPr/>
+        </p:nvPicPr>
+        <p:blipFill>
+          <a:blip r:embed="rId2">
+            <a:extLst>
+              <a:ext uri="{28A0092B-C50C-407E-A947-70E740481C1C}">
+                <a14:useLocalDpi xmlns:a14="http://schemas.microsoft.com/office/drawing/2010/main" val="0"/>
+              </a:ext>
+            </a:extLst>
+          </a:blip>
+          <a:srcRect/>
+          <a:stretch>
+            <a:fillRect/>
+          </a:stretch>
+        </p:blipFill>
+        <p:spPr bwMode="auto">
+          <a:xfrm>
+            <a:off x="3175000" y="441569"/>
+            <a:ext cx="5588000" cy="6350000"/>
+          </a:xfrm>
+          <a:prstGeom prst="rect">
+            <a:avLst/>
+          </a:prstGeom>
+          <a:noFill/>
+          <a:extLst>
+            <a:ext uri="{909E8E84-426E-40DD-AFC4-6F175D3DCCD1}">
+              <a14:hiddenFill xmlns:a14="http://schemas.microsoft.com/office/drawing/2010/main">
+                <a:solidFill>
+                  <a:srgbClr val="FFFFFF"/>
+                </a:solidFill>
+              </a14:hiddenFill>
+            </a:ext>
+          </a:extLst>
+        </p:spPr>
+      </p:pic>
+      <p:sp>
+        <p:nvSpPr>
+          <p:cNvPr id="2" name="Rechteck 1">
+            <a:extLst>
+              <a:ext uri="{FF2B5EF4-FFF2-40B4-BE49-F238E27FC236}">
+                <a16:creationId xmlns:a16="http://schemas.microsoft.com/office/drawing/2014/main" id="{87062FD0-35A2-471E-9ED4-A9F0E362A931}"/>
+              </a:ext>
+            </a:extLst>
+          </p:cNvPr>
+          <p:cNvSpPr/>
+          <p:nvPr/>
+        </p:nvSpPr>
+        <p:spPr>
+          <a:xfrm>
+            <a:off x="7556181" y="876284"/>
+            <a:ext cx="173121" cy="189326"/>
+          </a:xfrm>
+          <a:prstGeom prst="rect">
+            <a:avLst/>
+          </a:prstGeom>
+          <a:solidFill>
+            <a:schemeClr val="bg1"/>
+          </a:solidFill>
+          <a:ln>
+            <a:solidFill>
+              <a:schemeClr val="bg1"/>
+            </a:solidFill>
+          </a:ln>
+        </p:spPr>
+        <p:style>
+          <a:lnRef idx="2">
+            <a:schemeClr val="accent1">
+              <a:shade val="50000"/>
+            </a:schemeClr>
+          </a:lnRef>
+          <a:fillRef idx="1">
+            <a:schemeClr val="accent1"/>
+          </a:fillRef>
+          <a:effectRef idx="0">
+            <a:schemeClr val="accent1"/>
+          </a:effectRef>
+          <a:fontRef idx="minor">
+            <a:schemeClr val="lt1"/>
+          </a:fontRef>
+        </p:style>
+        <p:txBody>
+          <a:bodyPr rtlCol="0" anchor="ctr"/>
+          <a:lstStyle/>
+          <a:p>
+            <a:pPr algn="ctr"/>
+            <a:endParaRPr lang="de-DE" dirty="0"/>
+          </a:p>
+        </p:txBody>
+      </p:sp>
+      <p:sp>
+        <p:nvSpPr>
+          <p:cNvPr id="4" name="Sprechblase: rechteckig 3">
+            <a:extLst>
+              <a:ext uri="{FF2B5EF4-FFF2-40B4-BE49-F238E27FC236}">
+                <a16:creationId xmlns:a16="http://schemas.microsoft.com/office/drawing/2014/main" id="{8B26AE47-6BA8-4E70-9138-1DCC479F2F09}"/>
+              </a:ext>
+            </a:extLst>
+          </p:cNvPr>
+          <p:cNvSpPr/>
+          <p:nvPr/>
+        </p:nvSpPr>
+        <p:spPr>
+          <a:xfrm rot="10800000">
+            <a:off x="5628223" y="1237644"/>
+            <a:ext cx="2490833" cy="1746631"/>
+          </a:xfrm>
+          <a:prstGeom prst="wedgeRectCallout">
+            <a:avLst/>
+          </a:prstGeom>
+          <a:solidFill>
+            <a:schemeClr val="bg1"/>
+          </a:solidFill>
+          <a:ln>
+            <a:solidFill>
+              <a:schemeClr val="tx1"/>
+            </a:solidFill>
+          </a:ln>
+        </p:spPr>
+        <p:style>
+          <a:lnRef idx="2">
+            <a:schemeClr val="accent1">
+              <a:shade val="50000"/>
+            </a:schemeClr>
+          </a:lnRef>
+          <a:fillRef idx="1">
+            <a:schemeClr val="accent1"/>
+          </a:fillRef>
+          <a:effectRef idx="0">
+            <a:schemeClr val="accent1"/>
+          </a:effectRef>
+          <a:fontRef idx="minor">
+            <a:schemeClr val="lt1"/>
+          </a:fontRef>
+        </p:style>
+        <p:txBody>
+          <a:bodyPr rtlCol="0" anchor="ctr"/>
+          <a:lstStyle/>
+          <a:p>
+            <a:pPr algn="ctr"/>
+            <a:endParaRPr lang="de-DE">
+              <a:ln>
+                <a:solidFill>
+                  <a:schemeClr val="bg1">
+                    <a:lumMod val="95000"/>
+                  </a:schemeClr>
+                </a:solidFill>
+              </a:ln>
+              <a:solidFill>
+                <a:schemeClr val="bg1"/>
+              </a:solidFill>
+            </a:endParaRPr>
+          </a:p>
+        </p:txBody>
+      </p:sp>
+      <p:pic>
+        <p:nvPicPr>
+          <p:cNvPr id="5" name="Grafik 4">
+            <a:extLst>
+              <a:ext uri="{FF2B5EF4-FFF2-40B4-BE49-F238E27FC236}">
+                <a16:creationId xmlns:a16="http://schemas.microsoft.com/office/drawing/2014/main" id="{7D66C35F-8DEA-4316-B106-CC2D2BB85FDC}"/>
+              </a:ext>
+            </a:extLst>
+          </p:cNvPr>
+          <p:cNvPicPr>
+            <a:picLocks noChangeAspect="1"/>
+          </p:cNvPicPr>
+          <p:nvPr/>
+        </p:nvPicPr>
+        <p:blipFill>
+          <a:blip r:embed="rId3"/>
+          <a:stretch>
+            <a:fillRect/>
+          </a:stretch>
+        </p:blipFill>
+        <p:spPr>
+          <a:xfrm>
+            <a:off x="5763978" y="1315624"/>
+            <a:ext cx="2219325" cy="923925"/>
+          </a:xfrm>
+          <a:prstGeom prst="rect">
+            <a:avLst/>
+          </a:prstGeom>
+        </p:spPr>
+      </p:pic>
+      <p:pic>
+        <p:nvPicPr>
+          <p:cNvPr id="6" name="Grafik 5">
+            <a:extLst>
+              <a:ext uri="{FF2B5EF4-FFF2-40B4-BE49-F238E27FC236}">
+                <a16:creationId xmlns:a16="http://schemas.microsoft.com/office/drawing/2014/main" id="{9CE8E4C3-CDFF-484C-B655-20470082DB42}"/>
+              </a:ext>
+            </a:extLst>
+          </p:cNvPr>
+          <p:cNvPicPr>
+            <a:picLocks noChangeAspect="1"/>
+          </p:cNvPicPr>
+          <p:nvPr/>
+        </p:nvPicPr>
+        <p:blipFill>
+          <a:blip r:embed="rId4"/>
+          <a:stretch>
+            <a:fillRect/>
+          </a:stretch>
+        </p:blipFill>
+        <p:spPr>
+          <a:xfrm>
+            <a:off x="6465690" y="2317529"/>
+            <a:ext cx="1428750" cy="400050"/>
+          </a:xfrm>
+          <a:prstGeom prst="rect">
+            <a:avLst/>
+          </a:prstGeom>
+        </p:spPr>
+      </p:pic>
+      <p:sp>
+        <p:nvSpPr>
+          <p:cNvPr id="7" name="Textfeld 6">
+            <a:extLst>
+              <a:ext uri="{FF2B5EF4-FFF2-40B4-BE49-F238E27FC236}">
+                <a16:creationId xmlns:a16="http://schemas.microsoft.com/office/drawing/2014/main" id="{7F1FBF09-73C1-FC43-8BD2-870A6984AC3D}"/>
+              </a:ext>
+            </a:extLst>
+          </p:cNvPr>
+          <p:cNvSpPr txBox="1"/>
+          <p:nvPr/>
+        </p:nvSpPr>
+        <p:spPr>
+          <a:xfrm>
+            <a:off x="415636" y="308758"/>
+            <a:ext cx="2640611" cy="646331"/>
+          </a:xfrm>
+          <a:prstGeom prst="rect">
+            <a:avLst/>
+          </a:prstGeom>
+          <a:noFill/>
+        </p:spPr>
+        <p:txBody>
+          <a:bodyPr wrap="square" rtlCol="0">
+            <a:spAutoFit/>
+          </a:bodyPr>
+          <a:lstStyle/>
+          <a:p>
+            <a:r>
+              <a:rPr lang="de-DE" dirty="0"/>
+              <a:t>Startseite mit Warenkorb Drop-Down </a:t>
+            </a:r>
+          </a:p>
+        </p:txBody>
+      </p:sp>
+    </p:spTree>
+    <p:extLst>
+      <p:ext uri="{BB962C8B-B14F-4D97-AF65-F5344CB8AC3E}">
+        <p14:creationId xmlns:p14="http://schemas.microsoft.com/office/powerpoint/2010/main" val="2367280945"/>
+      </p:ext>
+    </p:extLst>
+  </p:cSld>
+  <p:clrMapOvr>
+    <a:masterClrMapping/>
+  </p:clrMapOvr>
+</p:sld>
+</file>
+
+<file path=ppt/slides/slide9.xml><?xml version="1.0" encoding="utf-8"?>
 <p:sld xmlns:a="http://schemas.openxmlformats.org/drawingml/2006/main" xmlns:r="http://schemas.openxmlformats.org/officeDocument/2006/relationships" xmlns:p="http://schemas.openxmlformats.org/presentationml/2006/main">
   <p:cSld>
     <p:spTree>
@@ -3817,84 +5508,12 @@
           </a:p>
         </p:txBody>
       </p:sp>
-    </p:spTree>
-  </p:cSld>
-  <p:clrMapOvr>
-    <a:masterClrMapping/>
-  </p:clrMapOvr>
-</p:sld>
-</file>
-
-<file path=ppt/slides/slide4.xml><?xml version="1.0" encoding="utf-8"?>
-<p:sld xmlns:a="http://schemas.openxmlformats.org/drawingml/2006/main" xmlns:r="http://schemas.openxmlformats.org/officeDocument/2006/relationships" xmlns:p="http://schemas.openxmlformats.org/presentationml/2006/main">
-  <p:cSld>
-    <p:spTree>
-      <p:nvGrpSpPr>
-        <p:cNvPr id="1" name=""/>
-        <p:cNvGrpSpPr/>
-        <p:nvPr/>
-      </p:nvGrpSpPr>
-      <p:grpSpPr>
-        <a:xfrm>
-          <a:off x="0" y="0"/>
-          <a:ext cx="0" cy="0"/>
-          <a:chOff x="0" y="0"/>
-          <a:chExt cx="0" cy="0"/>
-        </a:xfrm>
-      </p:grpSpPr>
-      <p:pic>
-        <p:nvPicPr>
-          <p:cNvPr id="5122" name="Picture 2">
-            <a:extLst>
-              <a:ext uri="{FF2B5EF4-FFF2-40B4-BE49-F238E27FC236}">
-                <a16:creationId xmlns:a16="http://schemas.microsoft.com/office/drawing/2014/main" id="{FDABD4D3-413A-464B-86C2-50203A558B97}"/>
-              </a:ext>
-            </a:extLst>
-          </p:cNvPr>
-          <p:cNvPicPr>
-            <a:picLocks noChangeAspect="1" noChangeArrowheads="1"/>
-          </p:cNvPicPr>
-          <p:nvPr/>
-        </p:nvPicPr>
-        <p:blipFill>
-          <a:blip r:embed="rId2">
-            <a:extLst>
-              <a:ext uri="{28A0092B-C50C-407E-A947-70E740481C1C}">
-                <a14:useLocalDpi xmlns:a14="http://schemas.microsoft.com/office/drawing/2010/main" val="0"/>
-              </a:ext>
-            </a:extLst>
-          </a:blip>
-          <a:srcRect/>
-          <a:stretch>
-            <a:fillRect/>
-          </a:stretch>
-        </p:blipFill>
-        <p:spPr bwMode="auto">
-          <a:xfrm>
-            <a:off x="2962068" y="357833"/>
-            <a:ext cx="5575300" cy="6350000"/>
-          </a:xfrm>
-          <a:prstGeom prst="rect">
-            <a:avLst/>
-          </a:prstGeom>
-          <a:noFill/>
-          <a:extLst>
-            <a:ext uri="{909E8E84-426E-40DD-AFC4-6F175D3DCCD1}">
-              <a14:hiddenFill xmlns:a14="http://schemas.microsoft.com/office/drawing/2010/main">
-                <a:solidFill>
-                  <a:srgbClr val="FFFFFF"/>
-                </a:solidFill>
-              </a14:hiddenFill>
-            </a:ext>
-          </a:extLst>
-        </p:spPr>
-      </p:pic>
-      <p:sp>
-        <p:nvSpPr>
-          <p:cNvPr id="3" name="Rechteck 2">
-            <a:extLst>
-              <a:ext uri="{FF2B5EF4-FFF2-40B4-BE49-F238E27FC236}">
-                <a16:creationId xmlns:a16="http://schemas.microsoft.com/office/drawing/2014/main" id="{49BEEA57-4F30-4B35-A96D-8A0E39098116}"/>
+      <p:sp>
+        <p:nvSpPr>
+          <p:cNvPr id="4" name="Rechteck 3">
+            <a:extLst>
+              <a:ext uri="{FF2B5EF4-FFF2-40B4-BE49-F238E27FC236}">
+                <a16:creationId xmlns:a16="http://schemas.microsoft.com/office/drawing/2014/main" id="{7702D70D-761D-3D4F-B566-00CE4F135FAC}"/>
               </a:ext>
             </a:extLst>
           </p:cNvPr>
@@ -3902,9 +5521,9 @@
           <p:nvPr/>
         </p:nvSpPr>
         <p:spPr>
-          <a:xfrm>
-            <a:off x="7591463" y="488462"/>
-            <a:ext cx="173121" cy="189326"/>
+          <a:xfrm rot="5121408">
+            <a:off x="7457532" y="716977"/>
+            <a:ext cx="173121" cy="247525"/>
           </a:xfrm>
           <a:prstGeom prst="rect">
             <a:avLst/>
@@ -3943,591 +5562,46 @@
           </a:p>
         </p:txBody>
       </p:sp>
-    </p:spTree>
-  </p:cSld>
-  <p:clrMapOvr>
-    <a:masterClrMapping/>
-  </p:clrMapOvr>
-</p:sld>
-</file>
-
-<file path=ppt/slides/slide5.xml><?xml version="1.0" encoding="utf-8"?>
-<p:sld xmlns:a="http://schemas.openxmlformats.org/drawingml/2006/main" xmlns:r="http://schemas.openxmlformats.org/officeDocument/2006/relationships" xmlns:p="http://schemas.openxmlformats.org/presentationml/2006/main">
-  <p:cSld>
-    <p:spTree>
-      <p:nvGrpSpPr>
-        <p:cNvPr id="1" name=""/>
-        <p:cNvGrpSpPr/>
-        <p:nvPr/>
-      </p:nvGrpSpPr>
-      <p:grpSpPr>
-        <a:xfrm>
-          <a:off x="0" y="0"/>
-          <a:ext cx="0" cy="0"/>
-          <a:chOff x="0" y="0"/>
-          <a:chExt cx="0" cy="0"/>
-        </a:xfrm>
-      </p:grpSpPr>
-      <p:pic>
-        <p:nvPicPr>
-          <p:cNvPr id="5122" name="Picture 2">
-            <a:extLst>
-              <a:ext uri="{FF2B5EF4-FFF2-40B4-BE49-F238E27FC236}">
-                <a16:creationId xmlns:a16="http://schemas.microsoft.com/office/drawing/2014/main" id="{6352198E-50BE-403A-8344-2E5160B4E863}"/>
-              </a:ext>
-            </a:extLst>
-          </p:cNvPr>
-          <p:cNvPicPr>
-            <a:picLocks noChangeAspect="1" noChangeArrowheads="1"/>
-          </p:cNvPicPr>
+      <p:sp>
+        <p:nvSpPr>
+          <p:cNvPr id="5" name="Textfeld 4">
+            <a:extLst>
+              <a:ext uri="{FF2B5EF4-FFF2-40B4-BE49-F238E27FC236}">
+                <a16:creationId xmlns:a16="http://schemas.microsoft.com/office/drawing/2014/main" id="{EC56EFDC-D9A1-7F45-9DD5-1B4C210C10EA}"/>
+              </a:ext>
+            </a:extLst>
+          </p:cNvPr>
+          <p:cNvSpPr txBox="1"/>
           <p:nvPr/>
-        </p:nvPicPr>
-        <p:blipFill>
-          <a:blip r:embed="rId2">
-            <a:extLst>
-              <a:ext uri="{28A0092B-C50C-407E-A947-70E740481C1C}">
-                <a14:useLocalDpi xmlns:a14="http://schemas.microsoft.com/office/drawing/2010/main" val="0"/>
-              </a:ext>
-            </a:extLst>
-          </a:blip>
-          <a:srcRect/>
-          <a:stretch>
-            <a:fillRect/>
-          </a:stretch>
-        </p:blipFill>
-        <p:spPr bwMode="auto">
+        </p:nvSpPr>
+        <p:spPr>
           <a:xfrm>
-            <a:off x="3175825" y="254000"/>
-            <a:ext cx="5562600" cy="6350000"/>
+            <a:off x="415636" y="308758"/>
+            <a:ext cx="2640611" cy="369332"/>
           </a:xfrm>
           <a:prstGeom prst="rect">
             <a:avLst/>
           </a:prstGeom>
           <a:noFill/>
-          <a:extLst>
-            <a:ext uri="{909E8E84-426E-40DD-AFC4-6F175D3DCCD1}">
-              <a14:hiddenFill xmlns:a14="http://schemas.microsoft.com/office/drawing/2010/main">
-                <a:solidFill>
-                  <a:srgbClr val="FFFFFF"/>
-                </a:solidFill>
-              </a14:hiddenFill>
-            </a:ext>
-          </a:extLst>
         </p:spPr>
-      </p:pic>
-      <p:sp>
-        <p:nvSpPr>
-          <p:cNvPr id="3" name="Rechteck 2">
-            <a:extLst>
-              <a:ext uri="{FF2B5EF4-FFF2-40B4-BE49-F238E27FC236}">
-                <a16:creationId xmlns:a16="http://schemas.microsoft.com/office/drawing/2014/main" id="{76E846AB-9A72-4DAC-82C5-C09CD35065E5}"/>
-              </a:ext>
-            </a:extLst>
-          </p:cNvPr>
-          <p:cNvSpPr/>
-          <p:nvPr/>
-        </p:nvSpPr>
-        <p:spPr>
-          <a:xfrm>
-            <a:off x="7622725" y="413337"/>
-            <a:ext cx="173121" cy="189326"/>
-          </a:xfrm>
-          <a:prstGeom prst="rect">
-            <a:avLst/>
-          </a:prstGeom>
-          <a:solidFill>
-            <a:schemeClr val="bg1"/>
-          </a:solidFill>
-          <a:ln>
-            <a:solidFill>
-              <a:schemeClr val="bg1"/>
-            </a:solidFill>
-          </a:ln>
-        </p:spPr>
-        <p:style>
-          <a:lnRef idx="2">
-            <a:schemeClr val="accent1">
-              <a:shade val="50000"/>
-            </a:schemeClr>
-          </a:lnRef>
-          <a:fillRef idx="1">
-            <a:schemeClr val="accent1"/>
-          </a:fillRef>
-          <a:effectRef idx="0">
-            <a:schemeClr val="accent1"/>
-          </a:effectRef>
-          <a:fontRef idx="minor">
-            <a:schemeClr val="lt1"/>
-          </a:fontRef>
-        </p:style>
-        <p:txBody>
-          <a:bodyPr rtlCol="0" anchor="ctr"/>
-          <a:lstStyle/>
-          <a:p>
-            <a:pPr algn="ctr"/>
-            <a:endParaRPr lang="de-DE"/>
+        <p:txBody>
+          <a:bodyPr wrap="square" rtlCol="0">
+            <a:spAutoFit/>
+          </a:bodyPr>
+          <a:lstStyle/>
+          <a:p>
+            <a:r>
+              <a:rPr lang="de-DE" dirty="0" err="1"/>
+              <a:t>Konfiguartion</a:t>
+            </a:r>
+            <a:r>
+              <a:rPr lang="de-DE" dirty="0"/>
+              <a:t> </a:t>
+            </a:r>
           </a:p>
         </p:txBody>
       </p:sp>
     </p:spTree>
-  </p:cSld>
-  <p:clrMapOvr>
-    <a:masterClrMapping/>
-  </p:clrMapOvr>
-</p:sld>
-</file>
-
-<file path=ppt/slides/slide6.xml><?xml version="1.0" encoding="utf-8"?>
-<p:sld xmlns:a="http://schemas.openxmlformats.org/drawingml/2006/main" xmlns:r="http://schemas.openxmlformats.org/officeDocument/2006/relationships" xmlns:p="http://schemas.openxmlformats.org/presentationml/2006/main">
-  <p:cSld>
-    <p:spTree>
-      <p:nvGrpSpPr>
-        <p:cNvPr id="1" name=""/>
-        <p:cNvGrpSpPr/>
-        <p:nvPr/>
-      </p:nvGrpSpPr>
-      <p:grpSpPr>
-        <a:xfrm>
-          <a:off x="0" y="0"/>
-          <a:ext cx="0" cy="0"/>
-          <a:chOff x="0" y="0"/>
-          <a:chExt cx="0" cy="0"/>
-        </a:xfrm>
-      </p:grpSpPr>
-      <p:pic>
-        <p:nvPicPr>
-          <p:cNvPr id="6146" name="Picture 2">
-            <a:extLst>
-              <a:ext uri="{FF2B5EF4-FFF2-40B4-BE49-F238E27FC236}">
-                <a16:creationId xmlns:a16="http://schemas.microsoft.com/office/drawing/2014/main" id="{697A373A-5484-498B-B325-7376B0ECB326}"/>
-              </a:ext>
-            </a:extLst>
-          </p:cNvPr>
-          <p:cNvPicPr>
-            <a:picLocks noChangeAspect="1" noChangeArrowheads="1"/>
-          </p:cNvPicPr>
-          <p:nvPr/>
-        </p:nvPicPr>
-        <p:blipFill>
-          <a:blip r:embed="rId2">
-            <a:extLst>
-              <a:ext uri="{28A0092B-C50C-407E-A947-70E740481C1C}">
-                <a14:useLocalDpi xmlns:a14="http://schemas.microsoft.com/office/drawing/2010/main" val="0"/>
-              </a:ext>
-            </a:extLst>
-          </a:blip>
-          <a:srcRect/>
-          <a:stretch>
-            <a:fillRect/>
-          </a:stretch>
-        </p:blipFill>
-        <p:spPr bwMode="auto">
-          <a:xfrm>
-            <a:off x="3175825" y="413337"/>
-            <a:ext cx="5562600" cy="6350000"/>
-          </a:xfrm>
-          <a:prstGeom prst="rect">
-            <a:avLst/>
-          </a:prstGeom>
-          <a:noFill/>
-          <a:extLst>
-            <a:ext uri="{909E8E84-426E-40DD-AFC4-6F175D3DCCD1}">
-              <a14:hiddenFill xmlns:a14="http://schemas.microsoft.com/office/drawing/2010/main">
-                <a:solidFill>
-                  <a:srgbClr val="FFFFFF"/>
-                </a:solidFill>
-              </a14:hiddenFill>
-            </a:ext>
-          </a:extLst>
-        </p:spPr>
-      </p:pic>
-      <p:sp>
-        <p:nvSpPr>
-          <p:cNvPr id="3" name="Rechteck 2">
-            <a:extLst>
-              <a:ext uri="{FF2B5EF4-FFF2-40B4-BE49-F238E27FC236}">
-                <a16:creationId xmlns:a16="http://schemas.microsoft.com/office/drawing/2014/main" id="{AE41FA6F-A2F7-4456-9594-1D8BADE170F1}"/>
-              </a:ext>
-            </a:extLst>
-          </p:cNvPr>
-          <p:cNvSpPr/>
-          <p:nvPr/>
-        </p:nvSpPr>
-        <p:spPr>
-          <a:xfrm>
-            <a:off x="7611001" y="413337"/>
-            <a:ext cx="173121" cy="189326"/>
-          </a:xfrm>
-          <a:prstGeom prst="rect">
-            <a:avLst/>
-          </a:prstGeom>
-          <a:solidFill>
-            <a:schemeClr val="bg1"/>
-          </a:solidFill>
-          <a:ln>
-            <a:solidFill>
-              <a:schemeClr val="bg1"/>
-            </a:solidFill>
-          </a:ln>
-        </p:spPr>
-        <p:style>
-          <a:lnRef idx="2">
-            <a:schemeClr val="accent1">
-              <a:shade val="50000"/>
-            </a:schemeClr>
-          </a:lnRef>
-          <a:fillRef idx="1">
-            <a:schemeClr val="accent1"/>
-          </a:fillRef>
-          <a:effectRef idx="0">
-            <a:schemeClr val="accent1"/>
-          </a:effectRef>
-          <a:fontRef idx="minor">
-            <a:schemeClr val="lt1"/>
-          </a:fontRef>
-        </p:style>
-        <p:txBody>
-          <a:bodyPr rtlCol="0" anchor="ctr"/>
-          <a:lstStyle/>
-          <a:p>
-            <a:pPr algn="ctr"/>
-            <a:endParaRPr lang="de-DE"/>
-          </a:p>
-        </p:txBody>
-      </p:sp>
-    </p:spTree>
-  </p:cSld>
-  <p:clrMapOvr>
-    <a:masterClrMapping/>
-  </p:clrMapOvr>
-</p:sld>
-</file>
-
-<file path=ppt/slides/slide7.xml><?xml version="1.0" encoding="utf-8"?>
-<p:sld xmlns:a="http://schemas.openxmlformats.org/drawingml/2006/main" xmlns:r="http://schemas.openxmlformats.org/officeDocument/2006/relationships" xmlns:p="http://schemas.openxmlformats.org/presentationml/2006/main">
-  <p:cSld>
-    <p:spTree>
-      <p:nvGrpSpPr>
-        <p:cNvPr id="1" name=""/>
-        <p:cNvGrpSpPr/>
-        <p:nvPr/>
-      </p:nvGrpSpPr>
-      <p:grpSpPr>
-        <a:xfrm>
-          <a:off x="0" y="0"/>
-          <a:ext cx="0" cy="0"/>
-          <a:chOff x="0" y="0"/>
-          <a:chExt cx="0" cy="0"/>
-        </a:xfrm>
-      </p:grpSpPr>
-      <p:pic>
-        <p:nvPicPr>
-          <p:cNvPr id="7170" name="Picture 2">
-            <a:extLst>
-              <a:ext uri="{FF2B5EF4-FFF2-40B4-BE49-F238E27FC236}">
-                <a16:creationId xmlns:a16="http://schemas.microsoft.com/office/drawing/2014/main" id="{4BEC3538-1438-427D-9506-F201940C7081}"/>
-              </a:ext>
-            </a:extLst>
-          </p:cNvPr>
-          <p:cNvPicPr>
-            <a:picLocks noChangeAspect="1" noChangeArrowheads="1"/>
-          </p:cNvPicPr>
-          <p:nvPr/>
-        </p:nvPicPr>
-        <p:blipFill>
-          <a:blip r:embed="rId2">
-            <a:extLst>
-              <a:ext uri="{28A0092B-C50C-407E-A947-70E740481C1C}">
-                <a14:useLocalDpi xmlns:a14="http://schemas.microsoft.com/office/drawing/2010/main" val="0"/>
-              </a:ext>
-            </a:extLst>
-          </a:blip>
-          <a:srcRect/>
-          <a:stretch>
-            <a:fillRect/>
-          </a:stretch>
-        </p:blipFill>
-        <p:spPr bwMode="auto">
-          <a:xfrm>
-            <a:off x="3187700" y="254000"/>
-            <a:ext cx="5562600" cy="6350000"/>
-          </a:xfrm>
-          <a:prstGeom prst="rect">
-            <a:avLst/>
-          </a:prstGeom>
-          <a:noFill/>
-          <a:extLst>
-            <a:ext uri="{909E8E84-426E-40DD-AFC4-6F175D3DCCD1}">
-              <a14:hiddenFill xmlns:a14="http://schemas.microsoft.com/office/drawing/2010/main">
-                <a:solidFill>
-                  <a:srgbClr val="FFFFFF"/>
-                </a:solidFill>
-              </a14:hiddenFill>
-            </a:ext>
-          </a:extLst>
-        </p:spPr>
-      </p:pic>
-      <p:sp>
-        <p:nvSpPr>
-          <p:cNvPr id="3" name="Rechteck 2">
-            <a:extLst>
-              <a:ext uri="{FF2B5EF4-FFF2-40B4-BE49-F238E27FC236}">
-                <a16:creationId xmlns:a16="http://schemas.microsoft.com/office/drawing/2014/main" id="{AC2BE5FC-20F7-44C8-A022-AA3198CA419E}"/>
-              </a:ext>
-            </a:extLst>
-          </p:cNvPr>
-          <p:cNvSpPr/>
-          <p:nvPr/>
-        </p:nvSpPr>
-        <p:spPr>
-          <a:xfrm>
-            <a:off x="7607094" y="413337"/>
-            <a:ext cx="173121" cy="189326"/>
-          </a:xfrm>
-          <a:prstGeom prst="rect">
-            <a:avLst/>
-          </a:prstGeom>
-          <a:solidFill>
-            <a:schemeClr val="bg1"/>
-          </a:solidFill>
-          <a:ln>
-            <a:solidFill>
-              <a:schemeClr val="bg1"/>
-            </a:solidFill>
-          </a:ln>
-        </p:spPr>
-        <p:style>
-          <a:lnRef idx="2">
-            <a:schemeClr val="accent1">
-              <a:shade val="50000"/>
-            </a:schemeClr>
-          </a:lnRef>
-          <a:fillRef idx="1">
-            <a:schemeClr val="accent1"/>
-          </a:fillRef>
-          <a:effectRef idx="0">
-            <a:schemeClr val="accent1"/>
-          </a:effectRef>
-          <a:fontRef idx="minor">
-            <a:schemeClr val="lt1"/>
-          </a:fontRef>
-        </p:style>
-        <p:txBody>
-          <a:bodyPr rtlCol="0" anchor="ctr"/>
-          <a:lstStyle/>
-          <a:p>
-            <a:pPr algn="ctr"/>
-            <a:endParaRPr lang="de-DE"/>
-          </a:p>
-        </p:txBody>
-      </p:sp>
-    </p:spTree>
-  </p:cSld>
-  <p:clrMapOvr>
-    <a:masterClrMapping/>
-  </p:clrMapOvr>
-</p:sld>
-</file>
-
-<file path=ppt/slides/slide8.xml><?xml version="1.0" encoding="utf-8"?>
-<p:sld xmlns:a="http://schemas.openxmlformats.org/drawingml/2006/main" xmlns:r="http://schemas.openxmlformats.org/officeDocument/2006/relationships" xmlns:p="http://schemas.openxmlformats.org/presentationml/2006/main">
-  <p:cSld>
-    <p:spTree>
-      <p:nvGrpSpPr>
-        <p:cNvPr id="1" name=""/>
-        <p:cNvGrpSpPr/>
-        <p:nvPr/>
-      </p:nvGrpSpPr>
-      <p:grpSpPr>
-        <a:xfrm>
-          <a:off x="0" y="0"/>
-          <a:ext cx="0" cy="0"/>
-          <a:chOff x="0" y="0"/>
-          <a:chExt cx="0" cy="0"/>
-        </a:xfrm>
-      </p:grpSpPr>
-      <p:pic>
-        <p:nvPicPr>
-          <p:cNvPr id="5122" name="Picture 2">
-            <a:extLst>
-              <a:ext uri="{FF2B5EF4-FFF2-40B4-BE49-F238E27FC236}">
-                <a16:creationId xmlns:a16="http://schemas.microsoft.com/office/drawing/2014/main" id="{B1A60283-310C-45C0-99DD-6C7351E39566}"/>
-              </a:ext>
-            </a:extLst>
-          </p:cNvPr>
-          <p:cNvPicPr>
-            <a:picLocks noChangeAspect="1" noChangeArrowheads="1"/>
-          </p:cNvPicPr>
-          <p:nvPr/>
-        </p:nvPicPr>
-        <p:blipFill>
-          <a:blip r:embed="rId2">
-            <a:extLst>
-              <a:ext uri="{28A0092B-C50C-407E-A947-70E740481C1C}">
-                <a14:useLocalDpi xmlns:a14="http://schemas.microsoft.com/office/drawing/2010/main" val="0"/>
-              </a:ext>
-            </a:extLst>
-          </a:blip>
-          <a:srcRect/>
-          <a:stretch>
-            <a:fillRect/>
-          </a:stretch>
-        </p:blipFill>
-        <p:spPr bwMode="auto">
-          <a:xfrm>
-            <a:off x="3175825" y="254000"/>
-            <a:ext cx="5562600" cy="6350000"/>
-          </a:xfrm>
-          <a:prstGeom prst="rect">
-            <a:avLst/>
-          </a:prstGeom>
-          <a:noFill/>
-          <a:extLst>
-            <a:ext uri="{909E8E84-426E-40DD-AFC4-6F175D3DCCD1}">
-              <a14:hiddenFill xmlns:a14="http://schemas.microsoft.com/office/drawing/2010/main">
-                <a:solidFill>
-                  <a:srgbClr val="FFFFFF"/>
-                </a:solidFill>
-              </a14:hiddenFill>
-            </a:ext>
-          </a:extLst>
-        </p:spPr>
-      </p:pic>
-      <p:sp>
-        <p:nvSpPr>
-          <p:cNvPr id="3" name="Rechteck 2">
-            <a:extLst>
-              <a:ext uri="{FF2B5EF4-FFF2-40B4-BE49-F238E27FC236}">
-                <a16:creationId xmlns:a16="http://schemas.microsoft.com/office/drawing/2014/main" id="{F9F8D1DC-A7C3-4471-8224-2487CB3D863A}"/>
-              </a:ext>
-            </a:extLst>
-          </p:cNvPr>
-          <p:cNvSpPr/>
-          <p:nvPr/>
-        </p:nvSpPr>
-        <p:spPr>
-          <a:xfrm>
-            <a:off x="7626632" y="413337"/>
-            <a:ext cx="173121" cy="189326"/>
-          </a:xfrm>
-          <a:prstGeom prst="rect">
-            <a:avLst/>
-          </a:prstGeom>
-          <a:solidFill>
-            <a:schemeClr val="bg1"/>
-          </a:solidFill>
-          <a:ln>
-            <a:solidFill>
-              <a:schemeClr val="bg1"/>
-            </a:solidFill>
-          </a:ln>
-        </p:spPr>
-        <p:style>
-          <a:lnRef idx="2">
-            <a:schemeClr val="accent1">
-              <a:shade val="50000"/>
-            </a:schemeClr>
-          </a:lnRef>
-          <a:fillRef idx="1">
-            <a:schemeClr val="accent1"/>
-          </a:fillRef>
-          <a:effectRef idx="0">
-            <a:schemeClr val="accent1"/>
-          </a:effectRef>
-          <a:fontRef idx="minor">
-            <a:schemeClr val="lt1"/>
-          </a:fontRef>
-        </p:style>
-        <p:txBody>
-          <a:bodyPr rtlCol="0" anchor="ctr"/>
-          <a:lstStyle/>
-          <a:p>
-            <a:pPr algn="ctr"/>
-            <a:endParaRPr lang="de-DE"/>
-          </a:p>
-        </p:txBody>
-      </p:sp>
-    </p:spTree>
-  </p:cSld>
-  <p:clrMapOvr>
-    <a:masterClrMapping/>
-  </p:clrMapOvr>
-</p:sld>
-</file>
-
-<file path=ppt/slides/slide9.xml><?xml version="1.0" encoding="utf-8"?>
-<p:sld xmlns:a="http://schemas.openxmlformats.org/drawingml/2006/main" xmlns:r="http://schemas.openxmlformats.org/officeDocument/2006/relationships" xmlns:p="http://schemas.openxmlformats.org/presentationml/2006/main">
-  <p:cSld>
-    <p:spTree>
-      <p:nvGrpSpPr>
-        <p:cNvPr id="1" name=""/>
-        <p:cNvGrpSpPr/>
-        <p:nvPr/>
-      </p:nvGrpSpPr>
-      <p:grpSpPr>
-        <a:xfrm>
-          <a:off x="0" y="0"/>
-          <a:ext cx="0" cy="0"/>
-          <a:chOff x="0" y="0"/>
-          <a:chExt cx="0" cy="0"/>
-        </a:xfrm>
-      </p:grpSpPr>
-      <p:sp>
-        <p:nvSpPr>
-          <p:cNvPr id="2" name="Titel 1">
-            <a:extLst>
-              <a:ext uri="{FF2B5EF4-FFF2-40B4-BE49-F238E27FC236}">
-                <a16:creationId xmlns:a16="http://schemas.microsoft.com/office/drawing/2014/main" id="{09F306DB-7996-4377-9D9F-DFD719EE9789}"/>
-              </a:ext>
-            </a:extLst>
-          </p:cNvPr>
-          <p:cNvSpPr>
-            <a:spLocks noGrp="1"/>
-          </p:cNvSpPr>
-          <p:nvPr>
-            <p:ph type="title"/>
-          </p:nvPr>
-        </p:nvSpPr>
-        <p:spPr/>
-        <p:txBody>
-          <a:bodyPr/>
-          <a:lstStyle/>
-          <a:p>
-            <a:endParaRPr lang="de-DE"/>
-          </a:p>
-        </p:txBody>
-      </p:sp>
-      <p:sp>
-        <p:nvSpPr>
-          <p:cNvPr id="3" name="Inhaltsplatzhalter 2">
-            <a:extLst>
-              <a:ext uri="{FF2B5EF4-FFF2-40B4-BE49-F238E27FC236}">
-                <a16:creationId xmlns:a16="http://schemas.microsoft.com/office/drawing/2014/main" id="{B12CDCAB-EF36-4249-A8A3-D42008CD3DC7}"/>
-              </a:ext>
-            </a:extLst>
-          </p:cNvPr>
-          <p:cNvSpPr>
-            <a:spLocks noGrp="1"/>
-          </p:cNvSpPr>
-          <p:nvPr>
-            <p:ph idx="1"/>
-          </p:nvPr>
-        </p:nvSpPr>
-        <p:spPr/>
-        <p:txBody>
-          <a:bodyPr/>
-          <a:lstStyle/>
-          <a:p>
-            <a:endParaRPr lang="de-DE"/>
-          </a:p>
-        </p:txBody>
-      </p:sp>
-    </p:spTree>
-    <p:extLst>
-      <p:ext uri="{BB962C8B-B14F-4D97-AF65-F5344CB8AC3E}">
-        <p14:creationId xmlns:p14="http://schemas.microsoft.com/office/powerpoint/2010/main" val="1054938674"/>
-      </p:ext>
-    </p:extLst>
   </p:cSld>
   <p:clrMapOvr>
     <a:masterClrMapping/>

--- a/Geschäftsvorschlag sowie grafischer Prototyp.pptx
+++ b/Geschäftsvorschlag sowie grafischer Prototyp.pptx
@@ -273,7 +273,7 @@
           <a:p>
             <a:fld id="{CDFC480C-E056-472F-A6EE-2C02A5AB318A}" type="datetimeFigureOut">
               <a:rPr lang="de-DE" smtClean="0"/>
-              <a:t>01.05.20</a:t>
+              <a:t>01.05.2020</a:t>
             </a:fld>
             <a:endParaRPr lang="de-DE"/>
           </a:p>
@@ -471,7 +471,7 @@
           <a:p>
             <a:fld id="{CDFC480C-E056-472F-A6EE-2C02A5AB318A}" type="datetimeFigureOut">
               <a:rPr lang="de-DE" smtClean="0"/>
-              <a:t>01.05.20</a:t>
+              <a:t>01.05.2020</a:t>
             </a:fld>
             <a:endParaRPr lang="de-DE"/>
           </a:p>
@@ -679,7 +679,7 @@
           <a:p>
             <a:fld id="{CDFC480C-E056-472F-A6EE-2C02A5AB318A}" type="datetimeFigureOut">
               <a:rPr lang="de-DE" smtClean="0"/>
-              <a:t>01.05.20</a:t>
+              <a:t>01.05.2020</a:t>
             </a:fld>
             <a:endParaRPr lang="de-DE"/>
           </a:p>
@@ -877,7 +877,7 @@
           <a:p>
             <a:fld id="{CDFC480C-E056-472F-A6EE-2C02A5AB318A}" type="datetimeFigureOut">
               <a:rPr lang="de-DE" smtClean="0"/>
-              <a:t>01.05.20</a:t>
+              <a:t>01.05.2020</a:t>
             </a:fld>
             <a:endParaRPr lang="de-DE"/>
           </a:p>
@@ -1152,7 +1152,7 @@
           <a:p>
             <a:fld id="{CDFC480C-E056-472F-A6EE-2C02A5AB318A}" type="datetimeFigureOut">
               <a:rPr lang="de-DE" smtClean="0"/>
-              <a:t>01.05.20</a:t>
+              <a:t>01.05.2020</a:t>
             </a:fld>
             <a:endParaRPr lang="de-DE"/>
           </a:p>
@@ -1417,7 +1417,7 @@
           <a:p>
             <a:fld id="{CDFC480C-E056-472F-A6EE-2C02A5AB318A}" type="datetimeFigureOut">
               <a:rPr lang="de-DE" smtClean="0"/>
-              <a:t>01.05.20</a:t>
+              <a:t>01.05.2020</a:t>
             </a:fld>
             <a:endParaRPr lang="de-DE"/>
           </a:p>
@@ -1829,7 +1829,7 @@
           <a:p>
             <a:fld id="{CDFC480C-E056-472F-A6EE-2C02A5AB318A}" type="datetimeFigureOut">
               <a:rPr lang="de-DE" smtClean="0"/>
-              <a:t>01.05.20</a:t>
+              <a:t>01.05.2020</a:t>
             </a:fld>
             <a:endParaRPr lang="de-DE"/>
           </a:p>
@@ -1970,7 +1970,7 @@
           <a:p>
             <a:fld id="{CDFC480C-E056-472F-A6EE-2C02A5AB318A}" type="datetimeFigureOut">
               <a:rPr lang="de-DE" smtClean="0"/>
-              <a:t>01.05.20</a:t>
+              <a:t>01.05.2020</a:t>
             </a:fld>
             <a:endParaRPr lang="de-DE"/>
           </a:p>
@@ -2083,7 +2083,7 @@
           <a:p>
             <a:fld id="{CDFC480C-E056-472F-A6EE-2C02A5AB318A}" type="datetimeFigureOut">
               <a:rPr lang="de-DE" smtClean="0"/>
-              <a:t>01.05.20</a:t>
+              <a:t>01.05.2020</a:t>
             </a:fld>
             <a:endParaRPr lang="de-DE"/>
           </a:p>
@@ -2394,7 +2394,7 @@
           <a:p>
             <a:fld id="{CDFC480C-E056-472F-A6EE-2C02A5AB318A}" type="datetimeFigureOut">
               <a:rPr lang="de-DE" smtClean="0"/>
-              <a:t>01.05.20</a:t>
+              <a:t>01.05.2020</a:t>
             </a:fld>
             <a:endParaRPr lang="de-DE"/>
           </a:p>
@@ -2682,7 +2682,7 @@
           <a:p>
             <a:fld id="{CDFC480C-E056-472F-A6EE-2C02A5AB318A}" type="datetimeFigureOut">
               <a:rPr lang="de-DE" smtClean="0"/>
-              <a:t>01.05.20</a:t>
+              <a:t>01.05.2020</a:t>
             </a:fld>
             <a:endParaRPr lang="de-DE"/>
           </a:p>
@@ -2923,7 +2923,7 @@
           <a:p>
             <a:fld id="{CDFC480C-E056-472F-A6EE-2C02A5AB318A}" type="datetimeFigureOut">
               <a:rPr lang="de-DE" smtClean="0"/>
-              <a:t>01.05.20</a:t>
+              <a:t>01.05.2020</a:t>
             </a:fld>
             <a:endParaRPr lang="de-DE"/>
           </a:p>
@@ -4831,31 +4831,36 @@
           </a:p>
         </p:txBody>
       </p:sp>
-      <p:sp>
-        <p:nvSpPr>
-          <p:cNvPr id="3" name="Inhaltsplatzhalter 2">
-            <a:extLst>
-              <a:ext uri="{FF2B5EF4-FFF2-40B4-BE49-F238E27FC236}">
-                <a16:creationId xmlns:a16="http://schemas.microsoft.com/office/drawing/2014/main" id="{417289F4-981C-5E48-9C96-50EBF4FE0FC9}"/>
-              </a:ext>
-            </a:extLst>
-          </p:cNvPr>
-          <p:cNvSpPr>
-            <a:spLocks noGrp="1"/>
-          </p:cNvSpPr>
-          <p:nvPr>
-            <p:ph idx="1"/>
-          </p:nvPr>
-        </p:nvSpPr>
-        <p:spPr/>
-        <p:txBody>
-          <a:bodyPr/>
-          <a:lstStyle/>
-          <a:p>
-            <a:endParaRPr lang="de-DE" dirty="0"/>
-          </a:p>
-        </p:txBody>
-      </p:sp>
+      <p:pic>
+        <p:nvPicPr>
+          <p:cNvPr id="9" name="Grafik 8">
+            <a:extLst>
+              <a:ext uri="{FF2B5EF4-FFF2-40B4-BE49-F238E27FC236}">
+                <a16:creationId xmlns:a16="http://schemas.microsoft.com/office/drawing/2014/main" id="{07A20997-8928-4A05-8C47-B96EBE482E31}"/>
+              </a:ext>
+            </a:extLst>
+          </p:cNvPr>
+          <p:cNvPicPr>
+            <a:picLocks noChangeAspect="1"/>
+          </p:cNvPicPr>
+          <p:nvPr/>
+        </p:nvPicPr>
+        <p:blipFill>
+          <a:blip r:embed="rId2"/>
+          <a:stretch>
+            <a:fillRect/>
+          </a:stretch>
+        </p:blipFill>
+        <p:spPr>
+          <a:xfrm>
+            <a:off x="186612" y="1301945"/>
+            <a:ext cx="11943040" cy="5190929"/>
+          </a:xfrm>
+          <a:prstGeom prst="rect">
+            <a:avLst/>
+          </a:prstGeom>
+        </p:spPr>
+      </p:pic>
     </p:spTree>
     <p:extLst>
       <p:ext uri="{BB962C8B-B14F-4D97-AF65-F5344CB8AC3E}">

--- a/Geschäftsvorschlag sowie grafischer Prototyp.pptx
+++ b/Geschäftsvorschlag sowie grafischer Prototyp.pptx
@@ -10,16 +10,16 @@
     <p:sldId id="267" r:id="rId4"/>
     <p:sldId id="268" r:id="rId5"/>
     <p:sldId id="270" r:id="rId6"/>
-    <p:sldId id="269" r:id="rId7"/>
-    <p:sldId id="258" r:id="rId8"/>
-    <p:sldId id="265" r:id="rId9"/>
-    <p:sldId id="259" r:id="rId10"/>
-    <p:sldId id="257" r:id="rId11"/>
-    <p:sldId id="260" r:id="rId12"/>
-    <p:sldId id="261" r:id="rId13"/>
-    <p:sldId id="262" r:id="rId14"/>
-    <p:sldId id="263" r:id="rId15"/>
-    <p:sldId id="264" r:id="rId16"/>
+    <p:sldId id="271" r:id="rId7"/>
+    <p:sldId id="269" r:id="rId8"/>
+    <p:sldId id="258" r:id="rId9"/>
+    <p:sldId id="265" r:id="rId10"/>
+    <p:sldId id="259" r:id="rId11"/>
+    <p:sldId id="257" r:id="rId12"/>
+    <p:sldId id="260" r:id="rId13"/>
+    <p:sldId id="261" r:id="rId14"/>
+    <p:sldId id="262" r:id="rId15"/>
+    <p:sldId id="263" r:id="rId16"/>
   </p:sldIdLst>
   <p:sldSz cx="12192000" cy="6858000"/>
   <p:notesSz cx="6858000" cy="9144000"/>
@@ -273,7 +273,7 @@
           <a:p>
             <a:fld id="{CDFC480C-E056-472F-A6EE-2C02A5AB318A}" type="datetimeFigureOut">
               <a:rPr lang="de-DE" smtClean="0"/>
-              <a:t>01.05.2020</a:t>
+              <a:t>08.05.20</a:t>
             </a:fld>
             <a:endParaRPr lang="de-DE"/>
           </a:p>
@@ -471,7 +471,7 @@
           <a:p>
             <a:fld id="{CDFC480C-E056-472F-A6EE-2C02A5AB318A}" type="datetimeFigureOut">
               <a:rPr lang="de-DE" smtClean="0"/>
-              <a:t>01.05.2020</a:t>
+              <a:t>08.05.20</a:t>
             </a:fld>
             <a:endParaRPr lang="de-DE"/>
           </a:p>
@@ -679,7 +679,7 @@
           <a:p>
             <a:fld id="{CDFC480C-E056-472F-A6EE-2C02A5AB318A}" type="datetimeFigureOut">
               <a:rPr lang="de-DE" smtClean="0"/>
-              <a:t>01.05.2020</a:t>
+              <a:t>08.05.20</a:t>
             </a:fld>
             <a:endParaRPr lang="de-DE"/>
           </a:p>
@@ -877,7 +877,7 @@
           <a:p>
             <a:fld id="{CDFC480C-E056-472F-A6EE-2C02A5AB318A}" type="datetimeFigureOut">
               <a:rPr lang="de-DE" smtClean="0"/>
-              <a:t>01.05.2020</a:t>
+              <a:t>08.05.20</a:t>
             </a:fld>
             <a:endParaRPr lang="de-DE"/>
           </a:p>
@@ -1152,7 +1152,7 @@
           <a:p>
             <a:fld id="{CDFC480C-E056-472F-A6EE-2C02A5AB318A}" type="datetimeFigureOut">
               <a:rPr lang="de-DE" smtClean="0"/>
-              <a:t>01.05.2020</a:t>
+              <a:t>08.05.20</a:t>
             </a:fld>
             <a:endParaRPr lang="de-DE"/>
           </a:p>
@@ -1417,7 +1417,7 @@
           <a:p>
             <a:fld id="{CDFC480C-E056-472F-A6EE-2C02A5AB318A}" type="datetimeFigureOut">
               <a:rPr lang="de-DE" smtClean="0"/>
-              <a:t>01.05.2020</a:t>
+              <a:t>08.05.20</a:t>
             </a:fld>
             <a:endParaRPr lang="de-DE"/>
           </a:p>
@@ -1829,7 +1829,7 @@
           <a:p>
             <a:fld id="{CDFC480C-E056-472F-A6EE-2C02A5AB318A}" type="datetimeFigureOut">
               <a:rPr lang="de-DE" smtClean="0"/>
-              <a:t>01.05.2020</a:t>
+              <a:t>08.05.20</a:t>
             </a:fld>
             <a:endParaRPr lang="de-DE"/>
           </a:p>
@@ -1970,7 +1970,7 @@
           <a:p>
             <a:fld id="{CDFC480C-E056-472F-A6EE-2C02A5AB318A}" type="datetimeFigureOut">
               <a:rPr lang="de-DE" smtClean="0"/>
-              <a:t>01.05.2020</a:t>
+              <a:t>08.05.20</a:t>
             </a:fld>
             <a:endParaRPr lang="de-DE"/>
           </a:p>
@@ -2083,7 +2083,7 @@
           <a:p>
             <a:fld id="{CDFC480C-E056-472F-A6EE-2C02A5AB318A}" type="datetimeFigureOut">
               <a:rPr lang="de-DE" smtClean="0"/>
-              <a:t>01.05.2020</a:t>
+              <a:t>08.05.20</a:t>
             </a:fld>
             <a:endParaRPr lang="de-DE"/>
           </a:p>
@@ -2394,7 +2394,7 @@
           <a:p>
             <a:fld id="{CDFC480C-E056-472F-A6EE-2C02A5AB318A}" type="datetimeFigureOut">
               <a:rPr lang="de-DE" smtClean="0"/>
-              <a:t>01.05.2020</a:t>
+              <a:t>08.05.20</a:t>
             </a:fld>
             <a:endParaRPr lang="de-DE"/>
           </a:p>
@@ -2682,7 +2682,7 @@
           <a:p>
             <a:fld id="{CDFC480C-E056-472F-A6EE-2C02A5AB318A}" type="datetimeFigureOut">
               <a:rPr lang="de-DE" smtClean="0"/>
-              <a:t>01.05.2020</a:t>
+              <a:t>08.05.20</a:t>
             </a:fld>
             <a:endParaRPr lang="de-DE"/>
           </a:p>
@@ -2923,7 +2923,7 @@
           <a:p>
             <a:fld id="{CDFC480C-E056-472F-A6EE-2C02A5AB318A}" type="datetimeFigureOut">
               <a:rPr lang="de-DE" smtClean="0"/>
-              <a:t>01.05.2020</a:t>
+              <a:t>08.05.20</a:t>
             </a:fld>
             <a:endParaRPr lang="de-DE"/>
           </a:p>
@@ -3598,6 +3598,221 @@
       </p:grpSpPr>
       <p:pic>
         <p:nvPicPr>
+          <p:cNvPr id="7170" name="Picture 2">
+            <a:extLst>
+              <a:ext uri="{FF2B5EF4-FFF2-40B4-BE49-F238E27FC236}">
+                <a16:creationId xmlns:a16="http://schemas.microsoft.com/office/drawing/2014/main" id="{CAB2B90C-E473-4B70-8538-7EE4FBC67ADA}"/>
+              </a:ext>
+            </a:extLst>
+          </p:cNvPr>
+          <p:cNvPicPr>
+            <a:picLocks noChangeAspect="1" noChangeArrowheads="1"/>
+          </p:cNvPicPr>
+          <p:nvPr/>
+        </p:nvPicPr>
+        <p:blipFill>
+          <a:blip r:embed="rId2">
+            <a:extLst>
+              <a:ext uri="{28A0092B-C50C-407E-A947-70E740481C1C}">
+                <a14:useLocalDpi xmlns:a14="http://schemas.microsoft.com/office/drawing/2010/main" val="0"/>
+              </a:ext>
+            </a:extLst>
+          </a:blip>
+          <a:srcRect/>
+          <a:stretch>
+            <a:fillRect/>
+          </a:stretch>
+        </p:blipFill>
+        <p:spPr bwMode="auto">
+          <a:xfrm>
+            <a:off x="3080822" y="254000"/>
+            <a:ext cx="5575300" cy="6350000"/>
+          </a:xfrm>
+          <a:prstGeom prst="rect">
+            <a:avLst/>
+          </a:prstGeom>
+          <a:noFill/>
+          <a:extLst>
+            <a:ext uri="{909E8E84-426E-40DD-AFC4-6F175D3DCCD1}">
+              <a14:hiddenFill xmlns:a14="http://schemas.microsoft.com/office/drawing/2010/main">
+                <a:solidFill>
+                  <a:srgbClr val="FFFFFF"/>
+                </a:solidFill>
+              </a14:hiddenFill>
+            </a:ext>
+          </a:extLst>
+        </p:spPr>
+      </p:pic>
+      <p:sp>
+        <p:nvSpPr>
+          <p:cNvPr id="3" name="Rechteck 2">
+            <a:extLst>
+              <a:ext uri="{FF2B5EF4-FFF2-40B4-BE49-F238E27FC236}">
+                <a16:creationId xmlns:a16="http://schemas.microsoft.com/office/drawing/2014/main" id="{9D8C411A-E2A1-49E9-B6AB-29ED6E95F172}"/>
+              </a:ext>
+            </a:extLst>
+          </p:cNvPr>
+          <p:cNvSpPr/>
+          <p:nvPr/>
+        </p:nvSpPr>
+        <p:spPr>
+          <a:xfrm>
+            <a:off x="7591463" y="488462"/>
+            <a:ext cx="173121" cy="189326"/>
+          </a:xfrm>
+          <a:prstGeom prst="rect">
+            <a:avLst/>
+          </a:prstGeom>
+          <a:solidFill>
+            <a:schemeClr val="bg1"/>
+          </a:solidFill>
+          <a:ln>
+            <a:solidFill>
+              <a:schemeClr val="bg1"/>
+            </a:solidFill>
+          </a:ln>
+        </p:spPr>
+        <p:style>
+          <a:lnRef idx="2">
+            <a:schemeClr val="accent1">
+              <a:shade val="50000"/>
+            </a:schemeClr>
+          </a:lnRef>
+          <a:fillRef idx="1">
+            <a:schemeClr val="accent1"/>
+          </a:fillRef>
+          <a:effectRef idx="0">
+            <a:schemeClr val="accent1"/>
+          </a:effectRef>
+          <a:fontRef idx="minor">
+            <a:schemeClr val="lt1"/>
+          </a:fontRef>
+        </p:style>
+        <p:txBody>
+          <a:bodyPr rtlCol="0" anchor="ctr"/>
+          <a:lstStyle/>
+          <a:p>
+            <a:pPr algn="ctr"/>
+            <a:endParaRPr lang="de-DE"/>
+          </a:p>
+        </p:txBody>
+      </p:sp>
+      <p:sp>
+        <p:nvSpPr>
+          <p:cNvPr id="4" name="Rechteck 3">
+            <a:extLst>
+              <a:ext uri="{FF2B5EF4-FFF2-40B4-BE49-F238E27FC236}">
+                <a16:creationId xmlns:a16="http://schemas.microsoft.com/office/drawing/2014/main" id="{7702D70D-761D-3D4F-B566-00CE4F135FAC}"/>
+              </a:ext>
+            </a:extLst>
+          </p:cNvPr>
+          <p:cNvSpPr/>
+          <p:nvPr/>
+        </p:nvSpPr>
+        <p:spPr>
+          <a:xfrm rot="5121408">
+            <a:off x="7457532" y="716977"/>
+            <a:ext cx="173121" cy="247525"/>
+          </a:xfrm>
+          <a:prstGeom prst="rect">
+            <a:avLst/>
+          </a:prstGeom>
+          <a:solidFill>
+            <a:schemeClr val="bg1"/>
+          </a:solidFill>
+          <a:ln>
+            <a:solidFill>
+              <a:schemeClr val="bg1"/>
+            </a:solidFill>
+          </a:ln>
+        </p:spPr>
+        <p:style>
+          <a:lnRef idx="2">
+            <a:schemeClr val="accent1">
+              <a:shade val="50000"/>
+            </a:schemeClr>
+          </a:lnRef>
+          <a:fillRef idx="1">
+            <a:schemeClr val="accent1"/>
+          </a:fillRef>
+          <a:effectRef idx="0">
+            <a:schemeClr val="accent1"/>
+          </a:effectRef>
+          <a:fontRef idx="minor">
+            <a:schemeClr val="lt1"/>
+          </a:fontRef>
+        </p:style>
+        <p:txBody>
+          <a:bodyPr rtlCol="0" anchor="ctr"/>
+          <a:lstStyle/>
+          <a:p>
+            <a:pPr algn="ctr"/>
+            <a:endParaRPr lang="de-DE"/>
+          </a:p>
+        </p:txBody>
+      </p:sp>
+      <p:sp>
+        <p:nvSpPr>
+          <p:cNvPr id="5" name="Textfeld 4">
+            <a:extLst>
+              <a:ext uri="{FF2B5EF4-FFF2-40B4-BE49-F238E27FC236}">
+                <a16:creationId xmlns:a16="http://schemas.microsoft.com/office/drawing/2014/main" id="{EC56EFDC-D9A1-7F45-9DD5-1B4C210C10EA}"/>
+              </a:ext>
+            </a:extLst>
+          </p:cNvPr>
+          <p:cNvSpPr txBox="1"/>
+          <p:nvPr/>
+        </p:nvSpPr>
+        <p:spPr>
+          <a:xfrm>
+            <a:off x="415636" y="308758"/>
+            <a:ext cx="2640611" cy="369332"/>
+          </a:xfrm>
+          <a:prstGeom prst="rect">
+            <a:avLst/>
+          </a:prstGeom>
+          <a:noFill/>
+        </p:spPr>
+        <p:txBody>
+          <a:bodyPr wrap="square" rtlCol="0">
+            <a:spAutoFit/>
+          </a:bodyPr>
+          <a:lstStyle/>
+          <a:p>
+            <a:r>
+              <a:rPr lang="de-DE" dirty="0"/>
+              <a:t>Konfiguration </a:t>
+            </a:r>
+          </a:p>
+        </p:txBody>
+      </p:sp>
+    </p:spTree>
+  </p:cSld>
+  <p:clrMapOvr>
+    <a:masterClrMapping/>
+  </p:clrMapOvr>
+</p:sld>
+</file>
+
+<file path=ppt/slides/slide11.xml><?xml version="1.0" encoding="utf-8"?>
+<p:sld xmlns:a="http://schemas.openxmlformats.org/drawingml/2006/main" xmlns:r="http://schemas.openxmlformats.org/officeDocument/2006/relationships" xmlns:p="http://schemas.openxmlformats.org/presentationml/2006/main">
+  <p:cSld>
+    <p:spTree>
+      <p:nvGrpSpPr>
+        <p:cNvPr id="1" name=""/>
+        <p:cNvGrpSpPr/>
+        <p:nvPr/>
+      </p:nvGrpSpPr>
+      <p:grpSpPr>
+        <a:xfrm>
+          <a:off x="0" y="0"/>
+          <a:ext cx="0" cy="0"/>
+          <a:chOff x="0" y="0"/>
+          <a:chExt cx="0" cy="0"/>
+        </a:xfrm>
+      </p:grpSpPr>
+      <p:pic>
+        <p:nvPicPr>
           <p:cNvPr id="5122" name="Picture 2">
             <a:extLst>
               <a:ext uri="{FF2B5EF4-FFF2-40B4-BE49-F238E27FC236}">
@@ -3740,7 +3955,7 @@
 </p:sld>
 </file>
 
-<file path=ppt/slides/slide11.xml><?xml version="1.0" encoding="utf-8"?>
+<file path=ppt/slides/slide12.xml><?xml version="1.0" encoding="utf-8"?>
 <p:sld xmlns:a="http://schemas.openxmlformats.org/drawingml/2006/main" xmlns:r="http://schemas.openxmlformats.org/officeDocument/2006/relationships" xmlns:p="http://schemas.openxmlformats.org/presentationml/2006/main">
   <p:cSld>
     <p:spTree>
@@ -3893,6 +4108,42 @@
           </a:p>
         </p:txBody>
       </p:sp>
+      <p:pic>
+        <p:nvPicPr>
+          <p:cNvPr id="5" name="Grafik 4" descr="Ein Bild, das Screenshot enthält.&#10;&#10;Automatisch generierte Beschreibung">
+            <a:extLst>
+              <a:ext uri="{FF2B5EF4-FFF2-40B4-BE49-F238E27FC236}">
+                <a16:creationId xmlns:a16="http://schemas.microsoft.com/office/drawing/2014/main" id="{8BB5C1AC-2F66-C843-B7F4-3D2E6FB4F559}"/>
+              </a:ext>
+            </a:extLst>
+          </p:cNvPr>
+          <p:cNvPicPr>
+            <a:picLocks noChangeAspect="1"/>
+          </p:cNvPicPr>
+          <p:nvPr/>
+        </p:nvPicPr>
+        <p:blipFill>
+          <a:blip r:embed="rId3">
+            <a:extLst>
+              <a:ext uri="{28A0092B-C50C-407E-A947-70E740481C1C}">
+                <a14:useLocalDpi xmlns:a14="http://schemas.microsoft.com/office/drawing/2010/main" val="0"/>
+              </a:ext>
+            </a:extLst>
+          </a:blip>
+          <a:stretch>
+            <a:fillRect/>
+          </a:stretch>
+        </p:blipFill>
+        <p:spPr>
+          <a:xfrm>
+            <a:off x="4351867" y="2217797"/>
+            <a:ext cx="3244732" cy="2253286"/>
+          </a:xfrm>
+          <a:prstGeom prst="rect">
+            <a:avLst/>
+          </a:prstGeom>
+        </p:spPr>
+      </p:pic>
     </p:spTree>
   </p:cSld>
   <p:clrMapOvr>
@@ -3901,7 +4152,7 @@
 </p:sld>
 </file>
 
-<file path=ppt/slides/slide12.xml><?xml version="1.0" encoding="utf-8"?>
+<file path=ppt/slides/slide13.xml><?xml version="1.0" encoding="utf-8"?>
 <p:sld xmlns:a="http://schemas.openxmlformats.org/drawingml/2006/main" xmlns:r="http://schemas.openxmlformats.org/officeDocument/2006/relationships" xmlns:p="http://schemas.openxmlformats.org/presentationml/2006/main">
   <p:cSld>
     <p:spTree>
@@ -4062,7 +4313,7 @@
 </p:sld>
 </file>
 
-<file path=ppt/slides/slide13.xml><?xml version="1.0" encoding="utf-8"?>
+<file path=ppt/slides/slide14.xml><?xml version="1.0" encoding="utf-8"?>
 <p:sld xmlns:a="http://schemas.openxmlformats.org/drawingml/2006/main" xmlns:r="http://schemas.openxmlformats.org/officeDocument/2006/relationships" xmlns:p="http://schemas.openxmlformats.org/presentationml/2006/main">
   <p:cSld>
     <p:spTree>
@@ -4223,7 +4474,7 @@
 </p:sld>
 </file>
 
-<file path=ppt/slides/slide14.xml><?xml version="1.0" encoding="utf-8"?>
+<file path=ppt/slides/slide15.xml><?xml version="1.0" encoding="utf-8"?>
 <p:sld xmlns:a="http://schemas.openxmlformats.org/drawingml/2006/main" xmlns:r="http://schemas.openxmlformats.org/officeDocument/2006/relationships" xmlns:p="http://schemas.openxmlformats.org/presentationml/2006/main">
   <p:cSld>
     <p:spTree>
@@ -4377,86 +4628,6 @@
         </p:txBody>
       </p:sp>
     </p:spTree>
-  </p:cSld>
-  <p:clrMapOvr>
-    <a:masterClrMapping/>
-  </p:clrMapOvr>
-</p:sld>
-</file>
-
-<file path=ppt/slides/slide15.xml><?xml version="1.0" encoding="utf-8"?>
-<p:sld xmlns:a="http://schemas.openxmlformats.org/drawingml/2006/main" xmlns:r="http://schemas.openxmlformats.org/officeDocument/2006/relationships" xmlns:p="http://schemas.openxmlformats.org/presentationml/2006/main">
-  <p:cSld>
-    <p:spTree>
-      <p:nvGrpSpPr>
-        <p:cNvPr id="1" name=""/>
-        <p:cNvGrpSpPr/>
-        <p:nvPr/>
-      </p:nvGrpSpPr>
-      <p:grpSpPr>
-        <a:xfrm>
-          <a:off x="0" y="0"/>
-          <a:ext cx="0" cy="0"/>
-          <a:chOff x="0" y="0"/>
-          <a:chExt cx="0" cy="0"/>
-        </a:xfrm>
-      </p:grpSpPr>
-      <p:sp>
-        <p:nvSpPr>
-          <p:cNvPr id="2" name="Titel 1">
-            <a:extLst>
-              <a:ext uri="{FF2B5EF4-FFF2-40B4-BE49-F238E27FC236}">
-                <a16:creationId xmlns:a16="http://schemas.microsoft.com/office/drawing/2014/main" id="{09F306DB-7996-4377-9D9F-DFD719EE9789}"/>
-              </a:ext>
-            </a:extLst>
-          </p:cNvPr>
-          <p:cNvSpPr>
-            <a:spLocks noGrp="1"/>
-          </p:cNvSpPr>
-          <p:nvPr>
-            <p:ph type="title"/>
-          </p:nvPr>
-        </p:nvSpPr>
-        <p:spPr/>
-        <p:txBody>
-          <a:bodyPr/>
-          <a:lstStyle/>
-          <a:p>
-            <a:endParaRPr lang="de-DE"/>
-          </a:p>
-        </p:txBody>
-      </p:sp>
-      <p:sp>
-        <p:nvSpPr>
-          <p:cNvPr id="3" name="Inhaltsplatzhalter 2">
-            <a:extLst>
-              <a:ext uri="{FF2B5EF4-FFF2-40B4-BE49-F238E27FC236}">
-                <a16:creationId xmlns:a16="http://schemas.microsoft.com/office/drawing/2014/main" id="{B12CDCAB-EF36-4249-A8A3-D42008CD3DC7}"/>
-              </a:ext>
-            </a:extLst>
-          </p:cNvPr>
-          <p:cNvSpPr>
-            <a:spLocks noGrp="1"/>
-          </p:cNvSpPr>
-          <p:nvPr>
-            <p:ph idx="1"/>
-          </p:nvPr>
-        </p:nvSpPr>
-        <p:spPr/>
-        <p:txBody>
-          <a:bodyPr/>
-          <a:lstStyle/>
-          <a:p>
-            <a:endParaRPr lang="de-DE"/>
-          </a:p>
-        </p:txBody>
-      </p:sp>
-    </p:spTree>
-    <p:extLst>
-      <p:ext uri="{BB962C8B-B14F-4D97-AF65-F5344CB8AC3E}">
-        <p14:creationId xmlns:p14="http://schemas.microsoft.com/office/powerpoint/2010/main" val="1054938674"/>
-      </p:ext>
-    </p:extLst>
   </p:cSld>
   <p:clrMapOvr>
     <a:masterClrMapping/>
@@ -4896,6 +5067,140 @@
           <p:cNvPr id="2" name="Titel 1">
             <a:extLst>
               <a:ext uri="{FF2B5EF4-FFF2-40B4-BE49-F238E27FC236}">
+                <a16:creationId xmlns:a16="http://schemas.microsoft.com/office/drawing/2014/main" id="{3664F752-8A4F-B841-9E81-206744F4A8CC}"/>
+              </a:ext>
+            </a:extLst>
+          </p:cNvPr>
+          <p:cNvSpPr>
+            <a:spLocks noGrp="1"/>
+          </p:cNvSpPr>
+          <p:nvPr>
+            <p:ph type="title"/>
+          </p:nvPr>
+        </p:nvSpPr>
+        <p:spPr/>
+        <p:txBody>
+          <a:bodyPr/>
+          <a:lstStyle/>
+          <a:p>
+            <a:pPr algn="ctr"/>
+            <a:r>
+              <a:rPr lang="de-DE" dirty="0"/>
+              <a:t>Realisierbarkeit</a:t>
+            </a:r>
+          </a:p>
+        </p:txBody>
+      </p:sp>
+      <p:sp>
+        <p:nvSpPr>
+          <p:cNvPr id="3" name="Inhaltsplatzhalter 2">
+            <a:extLst>
+              <a:ext uri="{FF2B5EF4-FFF2-40B4-BE49-F238E27FC236}">
+                <a16:creationId xmlns:a16="http://schemas.microsoft.com/office/drawing/2014/main" id="{55DB8EBE-BACB-A040-8999-52BF67D30B7B}"/>
+              </a:ext>
+            </a:extLst>
+          </p:cNvPr>
+          <p:cNvSpPr>
+            <a:spLocks noGrp="1"/>
+          </p:cNvSpPr>
+          <p:nvPr>
+            <p:ph idx="1"/>
+          </p:nvPr>
+        </p:nvSpPr>
+        <p:spPr/>
+        <p:txBody>
+          <a:bodyPr/>
+          <a:lstStyle/>
+          <a:p>
+            <a:pPr marL="0" indent="0">
+              <a:buNone/>
+            </a:pPr>
+            <a:r>
+              <a:rPr lang="de-DE" dirty="0"/>
+              <a:t>Das GANTT-Diagramm ist eine Abschätzung des Arbeitsaufwandes des Projekts und ist im Vorfeld relativ knapp bemessen.</a:t>
+            </a:r>
+          </a:p>
+          <a:p>
+            <a:pPr marL="0" indent="0">
+              <a:buNone/>
+            </a:pPr>
+            <a:r>
+              <a:rPr lang="de-DE" dirty="0"/>
+              <a:t>Dabei ist die Umsetzung des Mock-</a:t>
+            </a:r>
+            <a:r>
+              <a:rPr lang="de-DE" dirty="0" err="1"/>
+              <a:t>Ups</a:t>
+            </a:r>
+            <a:r>
+              <a:rPr lang="de-DE" dirty="0"/>
+              <a:t> in HTML/CSS sowie die anschließende Anbindung an die Datenbank relativ schwierig abzuschätzen.</a:t>
+            </a:r>
+          </a:p>
+          <a:p>
+            <a:pPr marL="0" indent="0">
+              <a:buNone/>
+            </a:pPr>
+            <a:r>
+              <a:rPr lang="de-DE" dirty="0"/>
+              <a:t>Hierbei können Abweichungen durch Probleme bei der Umsetzung einzelner Funktionen auftreten und somit das gesamte Projekt verzögern.</a:t>
+            </a:r>
+          </a:p>
+          <a:p>
+            <a:pPr marL="0" indent="0">
+              <a:buNone/>
+            </a:pPr>
+            <a:endParaRPr lang="de-DE" dirty="0"/>
+          </a:p>
+          <a:p>
+            <a:pPr marL="0" indent="0">
+              <a:buNone/>
+            </a:pPr>
+            <a:endParaRPr lang="de-DE" dirty="0"/>
+          </a:p>
+          <a:p>
+            <a:pPr marL="0" indent="0">
+              <a:buNone/>
+            </a:pPr>
+            <a:endParaRPr lang="de-DE" dirty="0"/>
+          </a:p>
+        </p:txBody>
+      </p:sp>
+    </p:spTree>
+    <p:extLst>
+      <p:ext uri="{BB962C8B-B14F-4D97-AF65-F5344CB8AC3E}">
+        <p14:creationId xmlns:p14="http://schemas.microsoft.com/office/powerpoint/2010/main" val="3420983931"/>
+      </p:ext>
+    </p:extLst>
+  </p:cSld>
+  <p:clrMapOvr>
+    <a:masterClrMapping/>
+  </p:clrMapOvr>
+</p:sld>
+</file>
+
+<file path=ppt/slides/slide7.xml><?xml version="1.0" encoding="utf-8"?>
+<p:sld xmlns:a="http://schemas.openxmlformats.org/drawingml/2006/main" xmlns:r="http://schemas.openxmlformats.org/officeDocument/2006/relationships" xmlns:p="http://schemas.openxmlformats.org/presentationml/2006/main">
+  <p:cSld>
+    <p:spTree>
+      <p:nvGrpSpPr>
+        <p:cNvPr id="1" name=""/>
+        <p:cNvGrpSpPr/>
+        <p:nvPr/>
+      </p:nvGrpSpPr>
+      <p:grpSpPr>
+        <a:xfrm>
+          <a:off x="0" y="0"/>
+          <a:ext cx="0" cy="0"/>
+          <a:chOff x="0" y="0"/>
+          <a:chExt cx="0" cy="0"/>
+        </a:xfrm>
+      </p:grpSpPr>
+      <p:sp>
+        <p:nvSpPr>
+          <p:cNvPr id="2" name="Titel 1">
+            <a:extLst>
+              <a:ext uri="{FF2B5EF4-FFF2-40B4-BE49-F238E27FC236}">
                 <a16:creationId xmlns:a16="http://schemas.microsoft.com/office/drawing/2014/main" id="{172CE1E8-D067-C443-85F4-F9C35751CF20}"/>
               </a:ext>
             </a:extLst>
@@ -4943,7 +5248,7 @@
 </p:sld>
 </file>
 
-<file path=ppt/slides/slide7.xml><?xml version="1.0" encoding="utf-8"?>
+<file path=ppt/slides/slide8.xml><?xml version="1.0" encoding="utf-8"?>
 <p:sld xmlns:a="http://schemas.openxmlformats.org/drawingml/2006/main" xmlns:r="http://schemas.openxmlformats.org/officeDocument/2006/relationships" xmlns:p="http://schemas.openxmlformats.org/presentationml/2006/main">
   <p:cSld>
     <p:spTree>
@@ -5104,7 +5409,7 @@
 </p:sld>
 </file>
 
-<file path=ppt/slides/slide8.xml><?xml version="1.0" encoding="utf-8"?>
+<file path=ppt/slides/slide9.xml><?xml version="1.0" encoding="utf-8"?>
 <p:sld xmlns:a="http://schemas.openxmlformats.org/drawingml/2006/main" xmlns:r="http://schemas.openxmlformats.org/officeDocument/2006/relationships" xmlns:p="http://schemas.openxmlformats.org/presentationml/2006/main">
   <p:cSld>
     <p:spTree>
@@ -5388,225 +5693,6 @@
         <p14:creationId xmlns:p14="http://schemas.microsoft.com/office/powerpoint/2010/main" val="2367280945"/>
       </p:ext>
     </p:extLst>
-  </p:cSld>
-  <p:clrMapOvr>
-    <a:masterClrMapping/>
-  </p:clrMapOvr>
-</p:sld>
-</file>
-
-<file path=ppt/slides/slide9.xml><?xml version="1.0" encoding="utf-8"?>
-<p:sld xmlns:a="http://schemas.openxmlformats.org/drawingml/2006/main" xmlns:r="http://schemas.openxmlformats.org/officeDocument/2006/relationships" xmlns:p="http://schemas.openxmlformats.org/presentationml/2006/main">
-  <p:cSld>
-    <p:spTree>
-      <p:nvGrpSpPr>
-        <p:cNvPr id="1" name=""/>
-        <p:cNvGrpSpPr/>
-        <p:nvPr/>
-      </p:nvGrpSpPr>
-      <p:grpSpPr>
-        <a:xfrm>
-          <a:off x="0" y="0"/>
-          <a:ext cx="0" cy="0"/>
-          <a:chOff x="0" y="0"/>
-          <a:chExt cx="0" cy="0"/>
-        </a:xfrm>
-      </p:grpSpPr>
-      <p:pic>
-        <p:nvPicPr>
-          <p:cNvPr id="7170" name="Picture 2">
-            <a:extLst>
-              <a:ext uri="{FF2B5EF4-FFF2-40B4-BE49-F238E27FC236}">
-                <a16:creationId xmlns:a16="http://schemas.microsoft.com/office/drawing/2014/main" id="{CAB2B90C-E473-4B70-8538-7EE4FBC67ADA}"/>
-              </a:ext>
-            </a:extLst>
-          </p:cNvPr>
-          <p:cNvPicPr>
-            <a:picLocks noChangeAspect="1" noChangeArrowheads="1"/>
-          </p:cNvPicPr>
-          <p:nvPr/>
-        </p:nvPicPr>
-        <p:blipFill>
-          <a:blip r:embed="rId2">
-            <a:extLst>
-              <a:ext uri="{28A0092B-C50C-407E-A947-70E740481C1C}">
-                <a14:useLocalDpi xmlns:a14="http://schemas.microsoft.com/office/drawing/2010/main" val="0"/>
-              </a:ext>
-            </a:extLst>
-          </a:blip>
-          <a:srcRect/>
-          <a:stretch>
-            <a:fillRect/>
-          </a:stretch>
-        </p:blipFill>
-        <p:spPr bwMode="auto">
-          <a:xfrm>
-            <a:off x="3080822" y="254000"/>
-            <a:ext cx="5575300" cy="6350000"/>
-          </a:xfrm>
-          <a:prstGeom prst="rect">
-            <a:avLst/>
-          </a:prstGeom>
-          <a:noFill/>
-          <a:extLst>
-            <a:ext uri="{909E8E84-426E-40DD-AFC4-6F175D3DCCD1}">
-              <a14:hiddenFill xmlns:a14="http://schemas.microsoft.com/office/drawing/2010/main">
-                <a:solidFill>
-                  <a:srgbClr val="FFFFFF"/>
-                </a:solidFill>
-              </a14:hiddenFill>
-            </a:ext>
-          </a:extLst>
-        </p:spPr>
-      </p:pic>
-      <p:sp>
-        <p:nvSpPr>
-          <p:cNvPr id="3" name="Rechteck 2">
-            <a:extLst>
-              <a:ext uri="{FF2B5EF4-FFF2-40B4-BE49-F238E27FC236}">
-                <a16:creationId xmlns:a16="http://schemas.microsoft.com/office/drawing/2014/main" id="{9D8C411A-E2A1-49E9-B6AB-29ED6E95F172}"/>
-              </a:ext>
-            </a:extLst>
-          </p:cNvPr>
-          <p:cNvSpPr/>
-          <p:nvPr/>
-        </p:nvSpPr>
-        <p:spPr>
-          <a:xfrm>
-            <a:off x="7591463" y="488462"/>
-            <a:ext cx="173121" cy="189326"/>
-          </a:xfrm>
-          <a:prstGeom prst="rect">
-            <a:avLst/>
-          </a:prstGeom>
-          <a:solidFill>
-            <a:schemeClr val="bg1"/>
-          </a:solidFill>
-          <a:ln>
-            <a:solidFill>
-              <a:schemeClr val="bg1"/>
-            </a:solidFill>
-          </a:ln>
-        </p:spPr>
-        <p:style>
-          <a:lnRef idx="2">
-            <a:schemeClr val="accent1">
-              <a:shade val="50000"/>
-            </a:schemeClr>
-          </a:lnRef>
-          <a:fillRef idx="1">
-            <a:schemeClr val="accent1"/>
-          </a:fillRef>
-          <a:effectRef idx="0">
-            <a:schemeClr val="accent1"/>
-          </a:effectRef>
-          <a:fontRef idx="minor">
-            <a:schemeClr val="lt1"/>
-          </a:fontRef>
-        </p:style>
-        <p:txBody>
-          <a:bodyPr rtlCol="0" anchor="ctr"/>
-          <a:lstStyle/>
-          <a:p>
-            <a:pPr algn="ctr"/>
-            <a:endParaRPr lang="de-DE"/>
-          </a:p>
-        </p:txBody>
-      </p:sp>
-      <p:sp>
-        <p:nvSpPr>
-          <p:cNvPr id="4" name="Rechteck 3">
-            <a:extLst>
-              <a:ext uri="{FF2B5EF4-FFF2-40B4-BE49-F238E27FC236}">
-                <a16:creationId xmlns:a16="http://schemas.microsoft.com/office/drawing/2014/main" id="{7702D70D-761D-3D4F-B566-00CE4F135FAC}"/>
-              </a:ext>
-            </a:extLst>
-          </p:cNvPr>
-          <p:cNvSpPr/>
-          <p:nvPr/>
-        </p:nvSpPr>
-        <p:spPr>
-          <a:xfrm rot="5121408">
-            <a:off x="7457532" y="716977"/>
-            <a:ext cx="173121" cy="247525"/>
-          </a:xfrm>
-          <a:prstGeom prst="rect">
-            <a:avLst/>
-          </a:prstGeom>
-          <a:solidFill>
-            <a:schemeClr val="bg1"/>
-          </a:solidFill>
-          <a:ln>
-            <a:solidFill>
-              <a:schemeClr val="bg1"/>
-            </a:solidFill>
-          </a:ln>
-        </p:spPr>
-        <p:style>
-          <a:lnRef idx="2">
-            <a:schemeClr val="accent1">
-              <a:shade val="50000"/>
-            </a:schemeClr>
-          </a:lnRef>
-          <a:fillRef idx="1">
-            <a:schemeClr val="accent1"/>
-          </a:fillRef>
-          <a:effectRef idx="0">
-            <a:schemeClr val="accent1"/>
-          </a:effectRef>
-          <a:fontRef idx="minor">
-            <a:schemeClr val="lt1"/>
-          </a:fontRef>
-        </p:style>
-        <p:txBody>
-          <a:bodyPr rtlCol="0" anchor="ctr"/>
-          <a:lstStyle/>
-          <a:p>
-            <a:pPr algn="ctr"/>
-            <a:endParaRPr lang="de-DE"/>
-          </a:p>
-        </p:txBody>
-      </p:sp>
-      <p:sp>
-        <p:nvSpPr>
-          <p:cNvPr id="5" name="Textfeld 4">
-            <a:extLst>
-              <a:ext uri="{FF2B5EF4-FFF2-40B4-BE49-F238E27FC236}">
-                <a16:creationId xmlns:a16="http://schemas.microsoft.com/office/drawing/2014/main" id="{EC56EFDC-D9A1-7F45-9DD5-1B4C210C10EA}"/>
-              </a:ext>
-            </a:extLst>
-          </p:cNvPr>
-          <p:cNvSpPr txBox="1"/>
-          <p:nvPr/>
-        </p:nvSpPr>
-        <p:spPr>
-          <a:xfrm>
-            <a:off x="415636" y="308758"/>
-            <a:ext cx="2640611" cy="369332"/>
-          </a:xfrm>
-          <a:prstGeom prst="rect">
-            <a:avLst/>
-          </a:prstGeom>
-          <a:noFill/>
-        </p:spPr>
-        <p:txBody>
-          <a:bodyPr wrap="square" rtlCol="0">
-            <a:spAutoFit/>
-          </a:bodyPr>
-          <a:lstStyle/>
-          <a:p>
-            <a:r>
-              <a:rPr lang="de-DE" dirty="0" err="1"/>
-              <a:t>Konfiguartion</a:t>
-            </a:r>
-            <a:r>
-              <a:rPr lang="de-DE" dirty="0"/>
-              <a:t> </a:t>
-            </a:r>
-          </a:p>
-        </p:txBody>
-      </p:sp>
-    </p:spTree>
   </p:cSld>
   <p:clrMapOvr>
     <a:masterClrMapping/>
